--- a/theme.pptx
+++ b/theme.pptx
@@ -192,7 +192,7 @@
           <a:p>
             <a:fld id="{994FF27E-85CE-4FD5-A4AE-A7D95BC7DEEA}" type="datetimeFigureOut">
               <a:rPr lang="en-US" smtClean="0"/>
-              <a:t>19|12|8</a:t>
+              <a:t>12/8/2019</a:t>
             </a:fld>
             <a:endParaRPr lang="en-US"/>
           </a:p>
@@ -589,7 +589,7 @@
           <a:p>
             <a:fld id="{40E987CA-7BA2-4746-8519-FABFE68F3C1A}" type="datetimeFigureOut">
               <a:rPr lang="en-US" smtClean="0"/>
-              <a:t>19|12|8</a:t>
+              <a:t>12/8/2019</a:t>
             </a:fld>
             <a:endParaRPr lang="en-US"/>
           </a:p>
@@ -757,7 +757,7 @@
           <a:p>
             <a:fld id="{40E987CA-7BA2-4746-8519-FABFE68F3C1A}" type="datetimeFigureOut">
               <a:rPr lang="en-US" smtClean="0"/>
-              <a:t>19|12|8</a:t>
+              <a:t>12/8/2019</a:t>
             </a:fld>
             <a:endParaRPr lang="en-US"/>
           </a:p>
@@ -935,7 +935,7 @@
           <a:p>
             <a:fld id="{40E987CA-7BA2-4746-8519-FABFE68F3C1A}" type="datetimeFigureOut">
               <a:rPr lang="en-US" smtClean="0"/>
-              <a:t>19|12|8</a:t>
+              <a:t>12/8/2019</a:t>
             </a:fld>
             <a:endParaRPr lang="en-US"/>
           </a:p>
@@ -1103,7 +1103,7 @@
           <a:p>
             <a:fld id="{40E987CA-7BA2-4746-8519-FABFE68F3C1A}" type="datetimeFigureOut">
               <a:rPr lang="en-US" smtClean="0"/>
-              <a:t>19|12|8</a:t>
+              <a:t>12/8/2019</a:t>
             </a:fld>
             <a:endParaRPr lang="en-US"/>
           </a:p>
@@ -1348,7 +1348,7 @@
           <a:p>
             <a:fld id="{40E987CA-7BA2-4746-8519-FABFE68F3C1A}" type="datetimeFigureOut">
               <a:rPr lang="en-US" smtClean="0"/>
-              <a:t>19|12|8</a:t>
+              <a:t>12/8/2019</a:t>
             </a:fld>
             <a:endParaRPr lang="en-US"/>
           </a:p>
@@ -1577,7 +1577,7 @@
           <a:p>
             <a:fld id="{40E987CA-7BA2-4746-8519-FABFE68F3C1A}" type="datetimeFigureOut">
               <a:rPr lang="en-US" smtClean="0"/>
-              <a:t>19|12|8</a:t>
+              <a:t>12/8/2019</a:t>
             </a:fld>
             <a:endParaRPr lang="en-US"/>
           </a:p>
@@ -1941,7 +1941,7 @@
           <a:p>
             <a:fld id="{40E987CA-7BA2-4746-8519-FABFE68F3C1A}" type="datetimeFigureOut">
               <a:rPr lang="en-US" smtClean="0"/>
-              <a:t>19|12|8</a:t>
+              <a:t>12/8/2019</a:t>
             </a:fld>
             <a:endParaRPr lang="en-US"/>
           </a:p>
@@ -2058,7 +2058,7 @@
           <a:p>
             <a:fld id="{40E987CA-7BA2-4746-8519-FABFE68F3C1A}" type="datetimeFigureOut">
               <a:rPr lang="en-US" smtClean="0"/>
-              <a:t>19|12|8</a:t>
+              <a:t>12/8/2019</a:t>
             </a:fld>
             <a:endParaRPr lang="en-US"/>
           </a:p>
@@ -2153,7 +2153,7 @@
           <a:p>
             <a:fld id="{40E987CA-7BA2-4746-8519-FABFE68F3C1A}" type="datetimeFigureOut">
               <a:rPr lang="en-US" smtClean="0"/>
-              <a:t>19|12|8</a:t>
+              <a:t>12/8/2019</a:t>
             </a:fld>
             <a:endParaRPr lang="en-US"/>
           </a:p>
@@ -2428,7 +2428,7 @@
           <a:p>
             <a:fld id="{40E987CA-7BA2-4746-8519-FABFE68F3C1A}" type="datetimeFigureOut">
               <a:rPr lang="en-US" smtClean="0"/>
-              <a:t>19|12|8</a:t>
+              <a:t>12/8/2019</a:t>
             </a:fld>
             <a:endParaRPr lang="en-US"/>
           </a:p>
@@ -2680,7 +2680,7 @@
           <a:p>
             <a:fld id="{40E987CA-7BA2-4746-8519-FABFE68F3C1A}" type="datetimeFigureOut">
               <a:rPr lang="en-US" smtClean="0"/>
-              <a:t>19|12|8</a:t>
+              <a:t>12/8/2019</a:t>
             </a:fld>
             <a:endParaRPr lang="en-US"/>
           </a:p>
@@ -2891,7 +2891,7 @@
           <a:p>
             <a:fld id="{40E987CA-7BA2-4746-8519-FABFE68F3C1A}" type="datetimeFigureOut">
               <a:rPr lang="en-US" smtClean="0"/>
-              <a:t>19|12|8</a:t>
+              <a:t>12/8/2019</a:t>
             </a:fld>
             <a:endParaRPr lang="en-US"/>
           </a:p>
@@ -3395,7 +3395,7 @@
     </a:clrScheme>
     <a:fontScheme name="Century Gothic">
       <a:majorFont>
-        <a:latin typeface="Century Gothic" panose="020F0302020204030204"/>
+        <a:latin typeface="Century Gothic"/>
         <a:ea typeface=""/>
         <a:cs typeface=""/>
         <a:font script="Jpan" typeface="メイリオ"/>
@@ -3430,7 +3430,7 @@
         <a:font script="Geor" typeface="Sylfaen"/>
       </a:majorFont>
       <a:minorFont>
-        <a:latin typeface="Century Gothic" panose="020F0302020204030204"/>
+        <a:latin typeface="Century Gothic"/>
         <a:ea typeface=""/>
         <a:cs typeface=""/>
         <a:font script="Jpan" typeface="メイリオ"/>
@@ -3607,7 +3607,7 @@
   <a:extraClrSchemeLst/>
   <a:extLst>
     <a:ext uri="{05A4C25C-085E-4340-85A3-A5531E510DB2}">
-      <thm15:themeFamily xmlns:thm15="http://schemas.microsoft.com/office/thememl/2012/main" name="Office Theme" id="{62F939B6-93AF-4DB8-9C6B-D6C7DFDC589F}" vid="{4A3C46E8-61CC-4603-A589-7422A47A8E4A}"/>
+      <thm15:themeFamily xmlns:thm15="http://schemas.microsoft.com/office/thememl/2012/main" xmlns="" name="Office Theme" id="{62F939B6-93AF-4DB8-9C6B-D6C7DFDC589F}" vid="{4A3C46E8-61CC-4603-A589-7422A47A8E4A}"/>
     </a:ext>
   </a:extLst>
 </a:theme>
@@ -3656,7 +3656,7 @@
     </a:clrScheme>
     <a:fontScheme name="Office">
       <a:majorFont>
-        <a:latin typeface="Calibri Light" panose="020F0302020204030204"/>
+        <a:latin typeface="Calibri Light"/>
         <a:ea typeface=""/>
         <a:cs typeface=""/>
         <a:font script="Jpan" typeface="ＭＳ Ｐゴシック"/>
@@ -3691,7 +3691,7 @@
         <a:font script="Geor" typeface="Sylfaen"/>
       </a:majorFont>
       <a:minorFont>
-        <a:latin typeface="Calibri" panose="020F0502020204030204"/>
+        <a:latin typeface="Calibri"/>
         <a:ea typeface=""/>
         <a:cs typeface=""/>
         <a:font script="Jpan" typeface="ＭＳ Ｐゴシック"/>
@@ -3868,7 +3868,7 @@
   <a:extraClrSchemeLst/>
   <a:extLst>
     <a:ext uri="{05A4C25C-085E-4340-85A3-A5531E510DB2}">
-      <thm15:themeFamily xmlns:thm15="http://schemas.microsoft.com/office/thememl/2012/main" name="Office Theme" id="{62F939B6-93AF-4DB8-9C6B-D6C7DFDC589F}" vid="{4A3C46E8-61CC-4603-A589-7422A47A8E4A}"/>
+      <thm15:themeFamily xmlns:thm15="http://schemas.microsoft.com/office/thememl/2012/main" xmlns="" name="Office Theme" id="{62F939B6-93AF-4DB8-9C6B-D6C7DFDC589F}" vid="{4A3C46E8-61CC-4603-A589-7422A47A8E4A}"/>
     </a:ext>
   </a:extLst>
 </a:theme>

--- a/theme.pptx
+++ b/theme.pptx
@@ -5,10 +5,11 @@
     <p:sldMasterId id="2147483660" r:id="rId1"/>
   </p:sldMasterIdLst>
   <p:notesMasterIdLst>
-    <p:notesMasterId r:id="rId3"/>
+    <p:notesMasterId r:id="rId4"/>
   </p:notesMasterIdLst>
   <p:sldIdLst>
-    <p:sldId id="256" r:id="rId2"/>
+    <p:sldId id="259" r:id="rId2"/>
+    <p:sldId id="260" r:id="rId3"/>
   </p:sldIdLst>
   <p:sldSz cx="12192000" cy="6858000"/>
   <p:notesSz cx="6858000" cy="9144000"/>
@@ -108,6 +109,3016 @@
     </a:lvl9pPr>
   </p:defaultTextStyle>
 </p:presentation>
+</file>
+
+<file path=ppt/diagrams/colors1.xml><?xml version="1.0" encoding="utf-8"?>
+<dgm:colorsDef xmlns:dgm="http://schemas.openxmlformats.org/drawingml/2006/diagram" xmlns:a="http://schemas.openxmlformats.org/drawingml/2006/main" uniqueId="urn:microsoft.com/office/officeart/2005/8/colors/accent1_2">
+  <dgm:title val=""/>
+  <dgm:desc val=""/>
+  <dgm:catLst>
+    <dgm:cat type="accent1" pri="11200"/>
+  </dgm:catLst>
+  <dgm:styleLbl name="node0">
+    <dgm:fillClrLst meth="repeat">
+      <a:schemeClr val="accent1"/>
+    </dgm:fillClrLst>
+    <dgm:linClrLst meth="repeat">
+      <a:schemeClr val="lt1"/>
+    </dgm:linClrLst>
+    <dgm:effectClrLst/>
+    <dgm:txLinClrLst/>
+    <dgm:txFillClrLst/>
+    <dgm:txEffectClrLst/>
+  </dgm:styleLbl>
+  <dgm:styleLbl name="alignNode1">
+    <dgm:fillClrLst meth="repeat">
+      <a:schemeClr val="accent1"/>
+    </dgm:fillClrLst>
+    <dgm:linClrLst meth="repeat">
+      <a:schemeClr val="accent1"/>
+    </dgm:linClrLst>
+    <dgm:effectClrLst/>
+    <dgm:txLinClrLst/>
+    <dgm:txFillClrLst/>
+    <dgm:txEffectClrLst/>
+  </dgm:styleLbl>
+  <dgm:styleLbl name="node1">
+    <dgm:fillClrLst meth="repeat">
+      <a:schemeClr val="accent1"/>
+    </dgm:fillClrLst>
+    <dgm:linClrLst meth="repeat">
+      <a:schemeClr val="lt1"/>
+    </dgm:linClrLst>
+    <dgm:effectClrLst/>
+    <dgm:txLinClrLst/>
+    <dgm:txFillClrLst/>
+    <dgm:txEffectClrLst/>
+  </dgm:styleLbl>
+  <dgm:styleLbl name="lnNode1">
+    <dgm:fillClrLst meth="repeat">
+      <a:schemeClr val="accent1"/>
+    </dgm:fillClrLst>
+    <dgm:linClrLst meth="repeat">
+      <a:schemeClr val="lt1"/>
+    </dgm:linClrLst>
+    <dgm:effectClrLst/>
+    <dgm:txLinClrLst/>
+    <dgm:txFillClrLst/>
+    <dgm:txEffectClrLst/>
+  </dgm:styleLbl>
+  <dgm:styleLbl name="vennNode1">
+    <dgm:fillClrLst meth="repeat">
+      <a:schemeClr val="accent1">
+        <a:alpha val="50000"/>
+      </a:schemeClr>
+    </dgm:fillClrLst>
+    <dgm:linClrLst meth="repeat">
+      <a:schemeClr val="lt1"/>
+    </dgm:linClrLst>
+    <dgm:effectClrLst/>
+    <dgm:txLinClrLst/>
+    <dgm:txFillClrLst/>
+    <dgm:txEffectClrLst/>
+  </dgm:styleLbl>
+  <dgm:styleLbl name="node2">
+    <dgm:fillClrLst meth="repeat">
+      <a:schemeClr val="accent1"/>
+    </dgm:fillClrLst>
+    <dgm:linClrLst meth="repeat">
+      <a:schemeClr val="lt1"/>
+    </dgm:linClrLst>
+    <dgm:effectClrLst/>
+    <dgm:txLinClrLst/>
+    <dgm:txFillClrLst/>
+    <dgm:txEffectClrLst/>
+  </dgm:styleLbl>
+  <dgm:styleLbl name="node3">
+    <dgm:fillClrLst meth="repeat">
+      <a:schemeClr val="accent1"/>
+    </dgm:fillClrLst>
+    <dgm:linClrLst meth="repeat">
+      <a:schemeClr val="lt1"/>
+    </dgm:linClrLst>
+    <dgm:effectClrLst/>
+    <dgm:txLinClrLst/>
+    <dgm:txFillClrLst/>
+    <dgm:txEffectClrLst/>
+  </dgm:styleLbl>
+  <dgm:styleLbl name="node4">
+    <dgm:fillClrLst meth="repeat">
+      <a:schemeClr val="accent1"/>
+    </dgm:fillClrLst>
+    <dgm:linClrLst meth="repeat">
+      <a:schemeClr val="lt1"/>
+    </dgm:linClrLst>
+    <dgm:effectClrLst/>
+    <dgm:txLinClrLst/>
+    <dgm:txFillClrLst/>
+    <dgm:txEffectClrLst/>
+  </dgm:styleLbl>
+  <dgm:styleLbl name="fgImgPlace1">
+    <dgm:fillClrLst meth="repeat">
+      <a:schemeClr val="accent1">
+        <a:tint val="50000"/>
+      </a:schemeClr>
+    </dgm:fillClrLst>
+    <dgm:linClrLst meth="repeat">
+      <a:schemeClr val="lt1"/>
+    </dgm:linClrLst>
+    <dgm:effectClrLst/>
+    <dgm:txLinClrLst/>
+    <dgm:txFillClrLst meth="repeat">
+      <a:schemeClr val="lt1"/>
+    </dgm:txFillClrLst>
+    <dgm:txEffectClrLst/>
+  </dgm:styleLbl>
+  <dgm:styleLbl name="alignImgPlace1">
+    <dgm:fillClrLst meth="repeat">
+      <a:schemeClr val="accent1">
+        <a:tint val="50000"/>
+      </a:schemeClr>
+    </dgm:fillClrLst>
+    <dgm:linClrLst meth="repeat">
+      <a:schemeClr val="lt1"/>
+    </dgm:linClrLst>
+    <dgm:effectClrLst/>
+    <dgm:txLinClrLst/>
+    <dgm:txFillClrLst meth="repeat">
+      <a:schemeClr val="lt1"/>
+    </dgm:txFillClrLst>
+    <dgm:txEffectClrLst/>
+  </dgm:styleLbl>
+  <dgm:styleLbl name="bgImgPlace1">
+    <dgm:fillClrLst meth="repeat">
+      <a:schemeClr val="accent1">
+        <a:tint val="50000"/>
+      </a:schemeClr>
+    </dgm:fillClrLst>
+    <dgm:linClrLst meth="repeat">
+      <a:schemeClr val="lt1"/>
+    </dgm:linClrLst>
+    <dgm:effectClrLst/>
+    <dgm:txLinClrLst/>
+    <dgm:txFillClrLst meth="repeat">
+      <a:schemeClr val="lt1"/>
+    </dgm:txFillClrLst>
+    <dgm:txEffectClrLst/>
+  </dgm:styleLbl>
+  <dgm:styleLbl name="sibTrans2D1">
+    <dgm:fillClrLst meth="repeat">
+      <a:schemeClr val="accent1">
+        <a:tint val="60000"/>
+      </a:schemeClr>
+    </dgm:fillClrLst>
+    <dgm:linClrLst meth="repeat">
+      <a:schemeClr val="accent1">
+        <a:tint val="60000"/>
+      </a:schemeClr>
+    </dgm:linClrLst>
+    <dgm:effectClrLst/>
+    <dgm:txLinClrLst/>
+    <dgm:txFillClrLst/>
+    <dgm:txEffectClrLst/>
+  </dgm:styleLbl>
+  <dgm:styleLbl name="fgSibTrans2D1">
+    <dgm:fillClrLst meth="repeat">
+      <a:schemeClr val="accent1">
+        <a:tint val="60000"/>
+      </a:schemeClr>
+    </dgm:fillClrLst>
+    <dgm:linClrLst meth="repeat">
+      <a:schemeClr val="accent1">
+        <a:tint val="60000"/>
+      </a:schemeClr>
+    </dgm:linClrLst>
+    <dgm:effectClrLst/>
+    <dgm:txLinClrLst/>
+    <dgm:txFillClrLst/>
+    <dgm:txEffectClrLst/>
+  </dgm:styleLbl>
+  <dgm:styleLbl name="bgSibTrans2D1">
+    <dgm:fillClrLst meth="repeat">
+      <a:schemeClr val="accent1">
+        <a:tint val="60000"/>
+      </a:schemeClr>
+    </dgm:fillClrLst>
+    <dgm:linClrLst meth="repeat">
+      <a:schemeClr val="accent1">
+        <a:tint val="60000"/>
+      </a:schemeClr>
+    </dgm:linClrLst>
+    <dgm:effectClrLst/>
+    <dgm:txLinClrLst/>
+    <dgm:txFillClrLst/>
+    <dgm:txEffectClrLst/>
+  </dgm:styleLbl>
+  <dgm:styleLbl name="sibTrans1D1">
+    <dgm:fillClrLst meth="repeat">
+      <a:schemeClr val="accent1"/>
+    </dgm:fillClrLst>
+    <dgm:linClrLst meth="repeat">
+      <a:schemeClr val="accent1"/>
+    </dgm:linClrLst>
+    <dgm:effectClrLst/>
+    <dgm:txLinClrLst/>
+    <dgm:txFillClrLst meth="repeat">
+      <a:schemeClr val="tx1"/>
+    </dgm:txFillClrLst>
+    <dgm:txEffectClrLst/>
+  </dgm:styleLbl>
+  <dgm:styleLbl name="callout">
+    <dgm:fillClrLst meth="repeat">
+      <a:schemeClr val="accent1"/>
+    </dgm:fillClrLst>
+    <dgm:linClrLst meth="repeat">
+      <a:schemeClr val="accent1">
+        <a:tint val="50000"/>
+      </a:schemeClr>
+    </dgm:linClrLst>
+    <dgm:effectClrLst/>
+    <dgm:txLinClrLst/>
+    <dgm:txFillClrLst meth="repeat">
+      <a:schemeClr val="tx1"/>
+    </dgm:txFillClrLst>
+    <dgm:txEffectClrLst/>
+  </dgm:styleLbl>
+  <dgm:styleLbl name="asst0">
+    <dgm:fillClrLst meth="repeat">
+      <a:schemeClr val="accent1"/>
+    </dgm:fillClrLst>
+    <dgm:linClrLst meth="repeat">
+      <a:schemeClr val="lt1"/>
+    </dgm:linClrLst>
+    <dgm:effectClrLst/>
+    <dgm:txLinClrLst/>
+    <dgm:txFillClrLst/>
+    <dgm:txEffectClrLst/>
+  </dgm:styleLbl>
+  <dgm:styleLbl name="asst1">
+    <dgm:fillClrLst meth="repeat">
+      <a:schemeClr val="accent1"/>
+    </dgm:fillClrLst>
+    <dgm:linClrLst meth="repeat">
+      <a:schemeClr val="lt1"/>
+    </dgm:linClrLst>
+    <dgm:effectClrLst/>
+    <dgm:txLinClrLst/>
+    <dgm:txFillClrLst/>
+    <dgm:txEffectClrLst/>
+  </dgm:styleLbl>
+  <dgm:styleLbl name="asst2">
+    <dgm:fillClrLst meth="repeat">
+      <a:schemeClr val="accent1"/>
+    </dgm:fillClrLst>
+    <dgm:linClrLst meth="repeat">
+      <a:schemeClr val="lt1"/>
+    </dgm:linClrLst>
+    <dgm:effectClrLst/>
+    <dgm:txLinClrLst/>
+    <dgm:txFillClrLst/>
+    <dgm:txEffectClrLst/>
+  </dgm:styleLbl>
+  <dgm:styleLbl name="asst3">
+    <dgm:fillClrLst meth="repeat">
+      <a:schemeClr val="accent1"/>
+    </dgm:fillClrLst>
+    <dgm:linClrLst meth="repeat">
+      <a:schemeClr val="lt1"/>
+    </dgm:linClrLst>
+    <dgm:effectClrLst/>
+    <dgm:txLinClrLst/>
+    <dgm:txFillClrLst/>
+    <dgm:txEffectClrLst/>
+  </dgm:styleLbl>
+  <dgm:styleLbl name="asst4">
+    <dgm:fillClrLst meth="repeat">
+      <a:schemeClr val="accent1"/>
+    </dgm:fillClrLst>
+    <dgm:linClrLst meth="repeat">
+      <a:schemeClr val="lt1"/>
+    </dgm:linClrLst>
+    <dgm:effectClrLst/>
+    <dgm:txLinClrLst/>
+    <dgm:txFillClrLst/>
+    <dgm:txEffectClrLst/>
+  </dgm:styleLbl>
+  <dgm:styleLbl name="parChTrans2D1">
+    <dgm:fillClrLst meth="repeat">
+      <a:schemeClr val="accent1">
+        <a:tint val="60000"/>
+      </a:schemeClr>
+    </dgm:fillClrLst>
+    <dgm:linClrLst meth="repeat">
+      <a:schemeClr val="accent1">
+        <a:tint val="60000"/>
+      </a:schemeClr>
+    </dgm:linClrLst>
+    <dgm:effectClrLst/>
+    <dgm:txLinClrLst/>
+    <dgm:txFillClrLst meth="repeat">
+      <a:schemeClr val="lt1"/>
+    </dgm:txFillClrLst>
+    <dgm:txEffectClrLst/>
+  </dgm:styleLbl>
+  <dgm:styleLbl name="parChTrans2D2">
+    <dgm:fillClrLst meth="repeat">
+      <a:schemeClr val="accent1"/>
+    </dgm:fillClrLst>
+    <dgm:linClrLst meth="repeat">
+      <a:schemeClr val="accent1"/>
+    </dgm:linClrLst>
+    <dgm:effectClrLst/>
+    <dgm:txLinClrLst/>
+    <dgm:txFillClrLst meth="repeat">
+      <a:schemeClr val="lt1"/>
+    </dgm:txFillClrLst>
+    <dgm:txEffectClrLst/>
+  </dgm:styleLbl>
+  <dgm:styleLbl name="parChTrans2D3">
+    <dgm:fillClrLst meth="repeat">
+      <a:schemeClr val="accent1"/>
+    </dgm:fillClrLst>
+    <dgm:linClrLst meth="repeat">
+      <a:schemeClr val="accent1"/>
+    </dgm:linClrLst>
+    <dgm:effectClrLst/>
+    <dgm:txLinClrLst/>
+    <dgm:txFillClrLst meth="repeat">
+      <a:schemeClr val="lt1"/>
+    </dgm:txFillClrLst>
+    <dgm:txEffectClrLst/>
+  </dgm:styleLbl>
+  <dgm:styleLbl name="parChTrans2D4">
+    <dgm:fillClrLst meth="repeat">
+      <a:schemeClr val="accent1"/>
+    </dgm:fillClrLst>
+    <dgm:linClrLst meth="repeat">
+      <a:schemeClr val="accent1"/>
+    </dgm:linClrLst>
+    <dgm:effectClrLst/>
+    <dgm:txLinClrLst/>
+    <dgm:txFillClrLst meth="repeat">
+      <a:schemeClr val="lt1"/>
+    </dgm:txFillClrLst>
+    <dgm:txEffectClrLst/>
+  </dgm:styleLbl>
+  <dgm:styleLbl name="parChTrans1D1">
+    <dgm:fillClrLst meth="repeat">
+      <a:schemeClr val="accent1"/>
+    </dgm:fillClrLst>
+    <dgm:linClrLst meth="repeat">
+      <a:schemeClr val="accent1">
+        <a:shade val="60000"/>
+      </a:schemeClr>
+    </dgm:linClrLst>
+    <dgm:effectClrLst/>
+    <dgm:txLinClrLst/>
+    <dgm:txFillClrLst meth="repeat">
+      <a:schemeClr val="tx1"/>
+    </dgm:txFillClrLst>
+    <dgm:txEffectClrLst/>
+  </dgm:styleLbl>
+  <dgm:styleLbl name="parChTrans1D2">
+    <dgm:fillClrLst meth="repeat">
+      <a:schemeClr val="accent1"/>
+    </dgm:fillClrLst>
+    <dgm:linClrLst meth="repeat">
+      <a:schemeClr val="accent1">
+        <a:shade val="60000"/>
+      </a:schemeClr>
+    </dgm:linClrLst>
+    <dgm:effectClrLst/>
+    <dgm:txLinClrLst/>
+    <dgm:txFillClrLst meth="repeat">
+      <a:schemeClr val="tx1"/>
+    </dgm:txFillClrLst>
+    <dgm:txEffectClrLst/>
+  </dgm:styleLbl>
+  <dgm:styleLbl name="parChTrans1D3">
+    <dgm:fillClrLst meth="repeat">
+      <a:schemeClr val="accent1"/>
+    </dgm:fillClrLst>
+    <dgm:linClrLst meth="repeat">
+      <a:schemeClr val="accent1">
+        <a:shade val="80000"/>
+      </a:schemeClr>
+    </dgm:linClrLst>
+    <dgm:effectClrLst/>
+    <dgm:txLinClrLst/>
+    <dgm:txFillClrLst meth="repeat">
+      <a:schemeClr val="tx1"/>
+    </dgm:txFillClrLst>
+    <dgm:txEffectClrLst/>
+  </dgm:styleLbl>
+  <dgm:styleLbl name="parChTrans1D4">
+    <dgm:fillClrLst meth="repeat">
+      <a:schemeClr val="accent1"/>
+    </dgm:fillClrLst>
+    <dgm:linClrLst meth="repeat">
+      <a:schemeClr val="accent1">
+        <a:shade val="80000"/>
+      </a:schemeClr>
+    </dgm:linClrLst>
+    <dgm:effectClrLst/>
+    <dgm:txLinClrLst/>
+    <dgm:txFillClrLst meth="repeat">
+      <a:schemeClr val="tx1"/>
+    </dgm:txFillClrLst>
+    <dgm:txEffectClrLst/>
+  </dgm:styleLbl>
+  <dgm:styleLbl name="fgAcc1">
+    <dgm:fillClrLst meth="repeat">
+      <a:schemeClr val="lt1">
+        <a:alpha val="90000"/>
+      </a:schemeClr>
+    </dgm:fillClrLst>
+    <dgm:linClrLst meth="repeat">
+      <a:schemeClr val="accent1"/>
+    </dgm:linClrLst>
+    <dgm:effectClrLst/>
+    <dgm:txLinClrLst/>
+    <dgm:txFillClrLst meth="repeat">
+      <a:schemeClr val="dk1"/>
+    </dgm:txFillClrLst>
+    <dgm:txEffectClrLst/>
+  </dgm:styleLbl>
+  <dgm:styleLbl name="conFgAcc1">
+    <dgm:fillClrLst meth="repeat">
+      <a:schemeClr val="lt1">
+        <a:alpha val="90000"/>
+      </a:schemeClr>
+    </dgm:fillClrLst>
+    <dgm:linClrLst meth="repeat">
+      <a:schemeClr val="accent1"/>
+    </dgm:linClrLst>
+    <dgm:effectClrLst/>
+    <dgm:txLinClrLst/>
+    <dgm:txFillClrLst meth="repeat">
+      <a:schemeClr val="dk1"/>
+    </dgm:txFillClrLst>
+    <dgm:txEffectClrLst/>
+  </dgm:styleLbl>
+  <dgm:styleLbl name="alignAcc1">
+    <dgm:fillClrLst meth="repeat">
+      <a:schemeClr val="lt1">
+        <a:alpha val="90000"/>
+      </a:schemeClr>
+    </dgm:fillClrLst>
+    <dgm:linClrLst meth="repeat">
+      <a:schemeClr val="accent1"/>
+    </dgm:linClrLst>
+    <dgm:effectClrLst/>
+    <dgm:txLinClrLst/>
+    <dgm:txFillClrLst meth="repeat">
+      <a:schemeClr val="dk1"/>
+    </dgm:txFillClrLst>
+    <dgm:txEffectClrLst/>
+  </dgm:styleLbl>
+  <dgm:styleLbl name="trAlignAcc1">
+    <dgm:fillClrLst meth="repeat">
+      <a:schemeClr val="lt1">
+        <a:alpha val="40000"/>
+      </a:schemeClr>
+    </dgm:fillClrLst>
+    <dgm:linClrLst meth="repeat">
+      <a:schemeClr val="accent1"/>
+    </dgm:linClrLst>
+    <dgm:effectClrLst/>
+    <dgm:txLinClrLst/>
+    <dgm:txFillClrLst meth="repeat">
+      <a:schemeClr val="dk1"/>
+    </dgm:txFillClrLst>
+    <dgm:txEffectClrLst/>
+  </dgm:styleLbl>
+  <dgm:styleLbl name="bgAcc1">
+    <dgm:fillClrLst meth="repeat">
+      <a:schemeClr val="lt1">
+        <a:alpha val="90000"/>
+      </a:schemeClr>
+    </dgm:fillClrLst>
+    <dgm:linClrLst meth="repeat">
+      <a:schemeClr val="accent1"/>
+    </dgm:linClrLst>
+    <dgm:effectClrLst/>
+    <dgm:txLinClrLst/>
+    <dgm:txFillClrLst meth="repeat">
+      <a:schemeClr val="dk1"/>
+    </dgm:txFillClrLst>
+    <dgm:txEffectClrLst/>
+  </dgm:styleLbl>
+  <dgm:styleLbl name="solidFgAcc1">
+    <dgm:fillClrLst meth="repeat">
+      <a:schemeClr val="lt1"/>
+    </dgm:fillClrLst>
+    <dgm:linClrLst meth="repeat">
+      <a:schemeClr val="accent1"/>
+    </dgm:linClrLst>
+    <dgm:effectClrLst/>
+    <dgm:txLinClrLst/>
+    <dgm:txFillClrLst meth="repeat">
+      <a:schemeClr val="dk1"/>
+    </dgm:txFillClrLst>
+    <dgm:txEffectClrLst/>
+  </dgm:styleLbl>
+  <dgm:styleLbl name="solidAlignAcc1">
+    <dgm:fillClrLst meth="repeat">
+      <a:schemeClr val="lt1"/>
+    </dgm:fillClrLst>
+    <dgm:linClrLst meth="repeat">
+      <a:schemeClr val="accent1"/>
+    </dgm:linClrLst>
+    <dgm:effectClrLst/>
+    <dgm:txLinClrLst/>
+    <dgm:txFillClrLst meth="repeat">
+      <a:schemeClr val="dk1"/>
+    </dgm:txFillClrLst>
+    <dgm:txEffectClrLst/>
+  </dgm:styleLbl>
+  <dgm:styleLbl name="solidBgAcc1">
+    <dgm:fillClrLst meth="repeat">
+      <a:schemeClr val="lt1"/>
+    </dgm:fillClrLst>
+    <dgm:linClrLst meth="repeat">
+      <a:schemeClr val="accent1"/>
+    </dgm:linClrLst>
+    <dgm:effectClrLst/>
+    <dgm:txLinClrLst/>
+    <dgm:txFillClrLst meth="repeat">
+      <a:schemeClr val="dk1"/>
+    </dgm:txFillClrLst>
+    <dgm:txEffectClrLst/>
+  </dgm:styleLbl>
+  <dgm:styleLbl name="fgAccFollowNode1">
+    <dgm:fillClrLst meth="repeat">
+      <a:schemeClr val="accent1">
+        <a:alpha val="90000"/>
+        <a:tint val="40000"/>
+      </a:schemeClr>
+    </dgm:fillClrLst>
+    <dgm:linClrLst meth="repeat">
+      <a:schemeClr val="accent1">
+        <a:alpha val="90000"/>
+        <a:tint val="40000"/>
+      </a:schemeClr>
+    </dgm:linClrLst>
+    <dgm:effectClrLst/>
+    <dgm:txLinClrLst/>
+    <dgm:txFillClrLst meth="repeat">
+      <a:schemeClr val="dk1"/>
+    </dgm:txFillClrLst>
+    <dgm:txEffectClrLst/>
+  </dgm:styleLbl>
+  <dgm:styleLbl name="alignAccFollowNode1">
+    <dgm:fillClrLst meth="repeat">
+      <a:schemeClr val="accent1">
+        <a:alpha val="90000"/>
+        <a:tint val="40000"/>
+      </a:schemeClr>
+    </dgm:fillClrLst>
+    <dgm:linClrLst meth="repeat">
+      <a:schemeClr val="accent1">
+        <a:alpha val="90000"/>
+        <a:tint val="40000"/>
+      </a:schemeClr>
+    </dgm:linClrLst>
+    <dgm:effectClrLst/>
+    <dgm:txLinClrLst/>
+    <dgm:txFillClrLst meth="repeat">
+      <a:schemeClr val="dk1"/>
+    </dgm:txFillClrLst>
+    <dgm:txEffectClrLst/>
+  </dgm:styleLbl>
+  <dgm:styleLbl name="bgAccFollowNode1">
+    <dgm:fillClrLst meth="repeat">
+      <a:schemeClr val="accent1">
+        <a:alpha val="90000"/>
+        <a:tint val="40000"/>
+      </a:schemeClr>
+    </dgm:fillClrLst>
+    <dgm:linClrLst meth="repeat">
+      <a:schemeClr val="accent1">
+        <a:alpha val="90000"/>
+        <a:tint val="40000"/>
+      </a:schemeClr>
+    </dgm:linClrLst>
+    <dgm:effectClrLst/>
+    <dgm:txLinClrLst/>
+    <dgm:txFillClrLst meth="repeat">
+      <a:schemeClr val="dk1"/>
+    </dgm:txFillClrLst>
+    <dgm:txEffectClrLst/>
+  </dgm:styleLbl>
+  <dgm:styleLbl name="fgAcc0">
+    <dgm:fillClrLst meth="repeat">
+      <a:schemeClr val="lt1">
+        <a:alpha val="90000"/>
+      </a:schemeClr>
+    </dgm:fillClrLst>
+    <dgm:linClrLst meth="repeat">
+      <a:schemeClr val="accent1"/>
+    </dgm:linClrLst>
+    <dgm:effectClrLst/>
+    <dgm:txLinClrLst/>
+    <dgm:txFillClrLst meth="repeat">
+      <a:schemeClr val="dk1"/>
+    </dgm:txFillClrLst>
+    <dgm:txEffectClrLst/>
+  </dgm:styleLbl>
+  <dgm:styleLbl name="fgAcc2">
+    <dgm:fillClrLst meth="repeat">
+      <a:schemeClr val="lt1">
+        <a:alpha val="90000"/>
+      </a:schemeClr>
+    </dgm:fillClrLst>
+    <dgm:linClrLst meth="repeat">
+      <a:schemeClr val="accent1"/>
+    </dgm:linClrLst>
+    <dgm:effectClrLst/>
+    <dgm:txLinClrLst/>
+    <dgm:txFillClrLst meth="repeat">
+      <a:schemeClr val="dk1"/>
+    </dgm:txFillClrLst>
+    <dgm:txEffectClrLst/>
+  </dgm:styleLbl>
+  <dgm:styleLbl name="fgAcc3">
+    <dgm:fillClrLst meth="repeat">
+      <a:schemeClr val="lt1">
+        <a:alpha val="90000"/>
+      </a:schemeClr>
+    </dgm:fillClrLst>
+    <dgm:linClrLst meth="repeat">
+      <a:schemeClr val="accent1"/>
+    </dgm:linClrLst>
+    <dgm:effectClrLst/>
+    <dgm:txLinClrLst/>
+    <dgm:txFillClrLst meth="repeat">
+      <a:schemeClr val="dk1"/>
+    </dgm:txFillClrLst>
+    <dgm:txEffectClrLst/>
+  </dgm:styleLbl>
+  <dgm:styleLbl name="fgAcc4">
+    <dgm:fillClrLst meth="repeat">
+      <a:schemeClr val="lt1">
+        <a:alpha val="90000"/>
+      </a:schemeClr>
+    </dgm:fillClrLst>
+    <dgm:linClrLst meth="repeat">
+      <a:schemeClr val="accent1"/>
+    </dgm:linClrLst>
+    <dgm:effectClrLst/>
+    <dgm:txLinClrLst/>
+    <dgm:txFillClrLst meth="repeat">
+      <a:schemeClr val="dk1"/>
+    </dgm:txFillClrLst>
+    <dgm:txEffectClrLst/>
+  </dgm:styleLbl>
+  <dgm:styleLbl name="bgShp">
+    <dgm:fillClrLst meth="repeat">
+      <a:schemeClr val="accent1">
+        <a:tint val="40000"/>
+      </a:schemeClr>
+    </dgm:fillClrLst>
+    <dgm:linClrLst meth="repeat">
+      <a:schemeClr val="accent1"/>
+    </dgm:linClrLst>
+    <dgm:effectClrLst/>
+    <dgm:txLinClrLst/>
+    <dgm:txFillClrLst meth="repeat">
+      <a:schemeClr val="dk1"/>
+    </dgm:txFillClrLst>
+    <dgm:txEffectClrLst/>
+  </dgm:styleLbl>
+  <dgm:styleLbl name="dkBgShp">
+    <dgm:fillClrLst meth="repeat">
+      <a:schemeClr val="accent1">
+        <a:shade val="80000"/>
+      </a:schemeClr>
+    </dgm:fillClrLst>
+    <dgm:linClrLst meth="repeat">
+      <a:schemeClr val="accent1"/>
+    </dgm:linClrLst>
+    <dgm:effectClrLst/>
+    <dgm:txLinClrLst/>
+    <dgm:txFillClrLst meth="repeat">
+      <a:schemeClr val="lt1"/>
+    </dgm:txFillClrLst>
+    <dgm:txEffectClrLst/>
+  </dgm:styleLbl>
+  <dgm:styleLbl name="trBgShp">
+    <dgm:fillClrLst meth="repeat">
+      <a:schemeClr val="accent1">
+        <a:tint val="50000"/>
+        <a:alpha val="40000"/>
+      </a:schemeClr>
+    </dgm:fillClrLst>
+    <dgm:linClrLst meth="repeat">
+      <a:schemeClr val="accent1"/>
+    </dgm:linClrLst>
+    <dgm:effectClrLst/>
+    <dgm:txLinClrLst/>
+    <dgm:txFillClrLst meth="repeat">
+      <a:schemeClr val="lt1"/>
+    </dgm:txFillClrLst>
+    <dgm:txEffectClrLst/>
+  </dgm:styleLbl>
+  <dgm:styleLbl name="fgShp">
+    <dgm:fillClrLst meth="repeat">
+      <a:schemeClr val="accent1">
+        <a:tint val="60000"/>
+      </a:schemeClr>
+    </dgm:fillClrLst>
+    <dgm:linClrLst meth="repeat">
+      <a:schemeClr val="lt1"/>
+    </dgm:linClrLst>
+    <dgm:effectClrLst/>
+    <dgm:txLinClrLst/>
+    <dgm:txFillClrLst meth="repeat">
+      <a:schemeClr val="dk1"/>
+    </dgm:txFillClrLst>
+    <dgm:txEffectClrLst/>
+  </dgm:styleLbl>
+  <dgm:styleLbl name="revTx">
+    <dgm:fillClrLst meth="repeat">
+      <a:schemeClr val="lt1">
+        <a:alpha val="0"/>
+      </a:schemeClr>
+    </dgm:fillClrLst>
+    <dgm:linClrLst meth="repeat">
+      <a:schemeClr val="dk1">
+        <a:alpha val="0"/>
+      </a:schemeClr>
+    </dgm:linClrLst>
+    <dgm:effectClrLst/>
+    <dgm:txLinClrLst/>
+    <dgm:txFillClrLst meth="repeat">
+      <a:schemeClr val="tx1"/>
+    </dgm:txFillClrLst>
+    <dgm:txEffectClrLst/>
+  </dgm:styleLbl>
+</dgm:colorsDef>
+</file>
+
+<file path=ppt/diagrams/data1.xml><?xml version="1.0" encoding="utf-8"?>
+<dgm:dataModel xmlns:dgm="http://schemas.openxmlformats.org/drawingml/2006/diagram" xmlns:a="http://schemas.openxmlformats.org/drawingml/2006/main">
+  <dgm:ptLst>
+    <dgm:pt modelId="{CD9869A5-DB7C-4FCC-AF11-ED61EB23D4C1}" type="doc">
+      <dgm:prSet loTypeId="urn:microsoft.com/office/officeart/2008/layout/HorizontalMultiLevelHierarchy" loCatId="hierarchy" qsTypeId="urn:microsoft.com/office/officeart/2005/8/quickstyle/simple1" qsCatId="simple" csTypeId="urn:microsoft.com/office/officeart/2005/8/colors/accent1_2" csCatId="accent1" phldr="1"/>
+      <dgm:spPr/>
+      <dgm:t>
+        <a:bodyPr/>
+        <a:lstStyle/>
+        <a:p>
+          <a:endParaRPr lang="en-IN"/>
+        </a:p>
+      </dgm:t>
+    </dgm:pt>
+    <dgm:pt modelId="{EB3F85B6-7778-4AA4-945B-DDA6D81EEA80}">
+      <dgm:prSet phldrT="[Text]"/>
+      <dgm:spPr/>
+      <dgm:t>
+        <a:bodyPr/>
+        <a:lstStyle/>
+        <a:p>
+          <a:r>
+            <a:rPr lang="en-IN" dirty="0" err="1" smtClean="0"/>
+            <a:t>cirticisms</a:t>
+          </a:r>
+          <a:endParaRPr lang="en-IN" dirty="0"/>
+        </a:p>
+      </dgm:t>
+    </dgm:pt>
+    <dgm:pt modelId="{62026E28-3556-4881-B642-E5B91F2B0800}" type="parTrans" cxnId="{D9C1ED83-179C-4338-B123-A1AA44CC9158}">
+      <dgm:prSet/>
+      <dgm:spPr/>
+      <dgm:t>
+        <a:bodyPr/>
+        <a:lstStyle/>
+        <a:p>
+          <a:endParaRPr lang="en-IN"/>
+        </a:p>
+      </dgm:t>
+    </dgm:pt>
+    <dgm:pt modelId="{F9856985-484E-4D2E-9026-861A294B7FD0}" type="sibTrans" cxnId="{D9C1ED83-179C-4338-B123-A1AA44CC9158}">
+      <dgm:prSet/>
+      <dgm:spPr/>
+      <dgm:t>
+        <a:bodyPr/>
+        <a:lstStyle/>
+        <a:p>
+          <a:endParaRPr lang="en-IN"/>
+        </a:p>
+      </dgm:t>
+    </dgm:pt>
+    <dgm:pt modelId="{799D0458-7874-4E17-A321-F4E36B8E5BA3}">
+      <dgm:prSet phldrT="[Text]"/>
+      <dgm:spPr/>
+      <dgm:t>
+        <a:bodyPr/>
+        <a:lstStyle/>
+        <a:p>
+          <a:r>
+            <a:rPr lang="en-IN" dirty="0" smtClean="0"/>
+            <a:t>Lack of structure and </a:t>
+          </a:r>
+          <a:r>
+            <a:rPr lang="en-IN" smtClean="0"/>
+            <a:t>necessary documentation</a:t>
+          </a:r>
+          <a:endParaRPr lang="en-IN" dirty="0"/>
+        </a:p>
+      </dgm:t>
+    </dgm:pt>
+    <dgm:pt modelId="{8FCB8CDC-11D7-4B37-9E54-C12782813E02}" type="parTrans" cxnId="{DBE94031-4463-4859-879C-7E44291035B3}">
+      <dgm:prSet/>
+      <dgm:spPr/>
+      <dgm:t>
+        <a:bodyPr/>
+        <a:lstStyle/>
+        <a:p>
+          <a:endParaRPr lang="en-IN"/>
+        </a:p>
+      </dgm:t>
+    </dgm:pt>
+    <dgm:pt modelId="{42C8F76C-7BDF-4DC7-AC94-EF6D885824A2}" type="sibTrans" cxnId="{DBE94031-4463-4859-879C-7E44291035B3}">
+      <dgm:prSet/>
+      <dgm:spPr/>
+      <dgm:t>
+        <a:bodyPr/>
+        <a:lstStyle/>
+        <a:p>
+          <a:endParaRPr lang="en-IN"/>
+        </a:p>
+      </dgm:t>
+    </dgm:pt>
+    <dgm:pt modelId="{43C71346-2FE2-4153-9094-1D2224CD58F1}">
+      <dgm:prSet phldrT="[Text]"/>
+      <dgm:spPr/>
+      <dgm:t>
+        <a:bodyPr/>
+        <a:lstStyle/>
+        <a:p>
+          <a:r>
+            <a:rPr lang="en-IN" dirty="0" smtClean="0"/>
+            <a:t>Requires too much cultural changes to adopt</a:t>
+          </a:r>
+          <a:endParaRPr lang="en-IN" dirty="0"/>
+        </a:p>
+      </dgm:t>
+    </dgm:pt>
+    <dgm:pt modelId="{DCE1AD03-3B7D-4BA3-A95D-AA03B3D30DBC}" type="parTrans" cxnId="{B147A9A0-C7C8-4498-B685-71547CFAB901}">
+      <dgm:prSet/>
+      <dgm:spPr/>
+      <dgm:t>
+        <a:bodyPr/>
+        <a:lstStyle/>
+        <a:p>
+          <a:endParaRPr lang="en-IN"/>
+        </a:p>
+      </dgm:t>
+    </dgm:pt>
+    <dgm:pt modelId="{1E429405-6CC9-4696-81E3-58251957F9E4}" type="sibTrans" cxnId="{B147A9A0-C7C8-4498-B685-71547CFAB901}">
+      <dgm:prSet/>
+      <dgm:spPr/>
+      <dgm:t>
+        <a:bodyPr/>
+        <a:lstStyle/>
+        <a:p>
+          <a:endParaRPr lang="en-IN"/>
+        </a:p>
+      </dgm:t>
+    </dgm:pt>
+    <dgm:pt modelId="{C1043AE4-5531-4746-8807-BCFFA516B415}">
+      <dgm:prSet phldrT="[Text]"/>
+      <dgm:spPr/>
+      <dgm:t>
+        <a:bodyPr/>
+        <a:lstStyle/>
+        <a:p>
+          <a:r>
+            <a:rPr lang="en-IN" dirty="0" smtClean="0"/>
+            <a:t>Works with senior-level developers</a:t>
+          </a:r>
+          <a:endParaRPr lang="en-IN" dirty="0"/>
+        </a:p>
+      </dgm:t>
+    </dgm:pt>
+    <dgm:pt modelId="{7BBAF57B-D3E8-4357-848D-DFFA9F4E7918}" type="parTrans" cxnId="{8608CFD2-475F-4E9C-9E8E-8BA56D1B0C0C}">
+      <dgm:prSet/>
+      <dgm:spPr/>
+      <dgm:t>
+        <a:bodyPr/>
+        <a:lstStyle/>
+        <a:p>
+          <a:endParaRPr lang="en-IN"/>
+        </a:p>
+      </dgm:t>
+    </dgm:pt>
+    <dgm:pt modelId="{5A72311F-6494-4A91-A4C6-4EFB2A5EBC58}" type="sibTrans" cxnId="{8608CFD2-475F-4E9C-9E8E-8BA56D1B0C0C}">
+      <dgm:prSet/>
+      <dgm:spPr/>
+      <dgm:t>
+        <a:bodyPr/>
+        <a:lstStyle/>
+        <a:p>
+          <a:endParaRPr lang="en-IN"/>
+        </a:p>
+      </dgm:t>
+    </dgm:pt>
+    <dgm:pt modelId="{68715311-EFDF-477D-B410-BAE0296EC67A}" type="pres">
+      <dgm:prSet presAssocID="{CD9869A5-DB7C-4FCC-AF11-ED61EB23D4C1}" presName="Name0" presStyleCnt="0">
+        <dgm:presLayoutVars>
+          <dgm:chPref val="1"/>
+          <dgm:dir/>
+          <dgm:animOne val="branch"/>
+          <dgm:animLvl val="lvl"/>
+          <dgm:resizeHandles val="exact"/>
+        </dgm:presLayoutVars>
+      </dgm:prSet>
+      <dgm:spPr/>
+    </dgm:pt>
+    <dgm:pt modelId="{0333C638-5A07-4997-A40A-AB36EFF7618B}" type="pres">
+      <dgm:prSet presAssocID="{EB3F85B6-7778-4AA4-945B-DDA6D81EEA80}" presName="root1" presStyleCnt="0"/>
+      <dgm:spPr/>
+    </dgm:pt>
+    <dgm:pt modelId="{5CBFE96B-5747-438E-A410-CEE1027187FF}" type="pres">
+      <dgm:prSet presAssocID="{EB3F85B6-7778-4AA4-945B-DDA6D81EEA80}" presName="LevelOneTextNode" presStyleLbl="node0" presStyleIdx="0" presStyleCnt="1">
+        <dgm:presLayoutVars>
+          <dgm:chPref val="3"/>
+        </dgm:presLayoutVars>
+      </dgm:prSet>
+      <dgm:spPr/>
+    </dgm:pt>
+    <dgm:pt modelId="{6F0C910B-B194-4D23-BA9A-841CF7EBE589}" type="pres">
+      <dgm:prSet presAssocID="{EB3F85B6-7778-4AA4-945B-DDA6D81EEA80}" presName="level2hierChild" presStyleCnt="0"/>
+      <dgm:spPr/>
+    </dgm:pt>
+    <dgm:pt modelId="{63CBAC53-C0C5-439F-AAC0-2627C0CE7ADE}" type="pres">
+      <dgm:prSet presAssocID="{8FCB8CDC-11D7-4B37-9E54-C12782813E02}" presName="conn2-1" presStyleLbl="parChTrans1D2" presStyleIdx="0" presStyleCnt="3"/>
+      <dgm:spPr/>
+    </dgm:pt>
+    <dgm:pt modelId="{2A02AF96-2CD3-43F0-824E-1D9B3AB89ACA}" type="pres">
+      <dgm:prSet presAssocID="{8FCB8CDC-11D7-4B37-9E54-C12782813E02}" presName="connTx" presStyleLbl="parChTrans1D2" presStyleIdx="0" presStyleCnt="3"/>
+      <dgm:spPr/>
+    </dgm:pt>
+    <dgm:pt modelId="{38A64432-662D-40AB-8BB1-1995346CF5E4}" type="pres">
+      <dgm:prSet presAssocID="{799D0458-7874-4E17-A321-F4E36B8E5BA3}" presName="root2" presStyleCnt="0"/>
+      <dgm:spPr/>
+    </dgm:pt>
+    <dgm:pt modelId="{9ECC6E07-57FC-4935-8AE9-D0CAA69516BB}" type="pres">
+      <dgm:prSet presAssocID="{799D0458-7874-4E17-A321-F4E36B8E5BA3}" presName="LevelTwoTextNode" presStyleLbl="node2" presStyleIdx="0" presStyleCnt="3">
+        <dgm:presLayoutVars>
+          <dgm:chPref val="3"/>
+        </dgm:presLayoutVars>
+      </dgm:prSet>
+      <dgm:spPr/>
+      <dgm:t>
+        <a:bodyPr/>
+        <a:lstStyle/>
+        <a:p>
+          <a:endParaRPr lang="en-IN"/>
+        </a:p>
+      </dgm:t>
+    </dgm:pt>
+    <dgm:pt modelId="{DC373068-7073-41A3-8093-3849E1396100}" type="pres">
+      <dgm:prSet presAssocID="{799D0458-7874-4E17-A321-F4E36B8E5BA3}" presName="level3hierChild" presStyleCnt="0"/>
+      <dgm:spPr/>
+    </dgm:pt>
+    <dgm:pt modelId="{3E3A3D94-077E-4E9C-A496-300259394F9E}" type="pres">
+      <dgm:prSet presAssocID="{DCE1AD03-3B7D-4BA3-A95D-AA03B3D30DBC}" presName="conn2-1" presStyleLbl="parChTrans1D2" presStyleIdx="1" presStyleCnt="3"/>
+      <dgm:spPr/>
+    </dgm:pt>
+    <dgm:pt modelId="{F198DCCA-5906-4E75-A47C-9B0A0E53C6BE}" type="pres">
+      <dgm:prSet presAssocID="{DCE1AD03-3B7D-4BA3-A95D-AA03B3D30DBC}" presName="connTx" presStyleLbl="parChTrans1D2" presStyleIdx="1" presStyleCnt="3"/>
+      <dgm:spPr/>
+    </dgm:pt>
+    <dgm:pt modelId="{3CD5033E-A629-4AF6-ABBE-1D4446DBDD29}" type="pres">
+      <dgm:prSet presAssocID="{43C71346-2FE2-4153-9094-1D2224CD58F1}" presName="root2" presStyleCnt="0"/>
+      <dgm:spPr/>
+    </dgm:pt>
+    <dgm:pt modelId="{B58460D7-F2A5-4498-8357-C69E62DACEB3}" type="pres">
+      <dgm:prSet presAssocID="{43C71346-2FE2-4153-9094-1D2224CD58F1}" presName="LevelTwoTextNode" presStyleLbl="node2" presStyleIdx="1" presStyleCnt="3">
+        <dgm:presLayoutVars>
+          <dgm:chPref val="3"/>
+        </dgm:presLayoutVars>
+      </dgm:prSet>
+      <dgm:spPr/>
+      <dgm:t>
+        <a:bodyPr/>
+        <a:lstStyle/>
+        <a:p>
+          <a:endParaRPr lang="en-IN"/>
+        </a:p>
+      </dgm:t>
+    </dgm:pt>
+    <dgm:pt modelId="{E5EDC364-4309-4DBD-BC24-41254DB6DCB9}" type="pres">
+      <dgm:prSet presAssocID="{43C71346-2FE2-4153-9094-1D2224CD58F1}" presName="level3hierChild" presStyleCnt="0"/>
+      <dgm:spPr/>
+    </dgm:pt>
+    <dgm:pt modelId="{6BCE7F5B-9773-4ADA-AD63-E31815063815}" type="pres">
+      <dgm:prSet presAssocID="{7BBAF57B-D3E8-4357-848D-DFFA9F4E7918}" presName="conn2-1" presStyleLbl="parChTrans1D2" presStyleIdx="2" presStyleCnt="3"/>
+      <dgm:spPr/>
+    </dgm:pt>
+    <dgm:pt modelId="{F01C9ADB-912E-4826-B2EC-BF87E964F707}" type="pres">
+      <dgm:prSet presAssocID="{7BBAF57B-D3E8-4357-848D-DFFA9F4E7918}" presName="connTx" presStyleLbl="parChTrans1D2" presStyleIdx="2" presStyleCnt="3"/>
+      <dgm:spPr/>
+    </dgm:pt>
+    <dgm:pt modelId="{CAAF8225-6441-405E-A687-07D4D7C9C6DE}" type="pres">
+      <dgm:prSet presAssocID="{C1043AE4-5531-4746-8807-BCFFA516B415}" presName="root2" presStyleCnt="0"/>
+      <dgm:spPr/>
+    </dgm:pt>
+    <dgm:pt modelId="{149461F4-D8ED-4D3D-93C2-1DF1FA987DA4}" type="pres">
+      <dgm:prSet presAssocID="{C1043AE4-5531-4746-8807-BCFFA516B415}" presName="LevelTwoTextNode" presStyleLbl="node2" presStyleIdx="2" presStyleCnt="3">
+        <dgm:presLayoutVars>
+          <dgm:chPref val="3"/>
+        </dgm:presLayoutVars>
+      </dgm:prSet>
+      <dgm:spPr/>
+    </dgm:pt>
+    <dgm:pt modelId="{C6BDCDFD-3E10-41DD-A186-3D9DCC87635A}" type="pres">
+      <dgm:prSet presAssocID="{C1043AE4-5531-4746-8807-BCFFA516B415}" presName="level3hierChild" presStyleCnt="0"/>
+      <dgm:spPr/>
+    </dgm:pt>
+  </dgm:ptLst>
+  <dgm:cxnLst>
+    <dgm:cxn modelId="{8F4A89B2-46B8-4087-B840-37CE5329681B}" type="presOf" srcId="{DCE1AD03-3B7D-4BA3-A95D-AA03B3D30DBC}" destId="{F198DCCA-5906-4E75-A47C-9B0A0E53C6BE}" srcOrd="1" destOrd="0" presId="urn:microsoft.com/office/officeart/2008/layout/HorizontalMultiLevelHierarchy"/>
+    <dgm:cxn modelId="{8608CFD2-475F-4E9C-9E8E-8BA56D1B0C0C}" srcId="{EB3F85B6-7778-4AA4-945B-DDA6D81EEA80}" destId="{C1043AE4-5531-4746-8807-BCFFA516B415}" srcOrd="2" destOrd="0" parTransId="{7BBAF57B-D3E8-4357-848D-DFFA9F4E7918}" sibTransId="{5A72311F-6494-4A91-A4C6-4EFB2A5EBC58}"/>
+    <dgm:cxn modelId="{DBE94031-4463-4859-879C-7E44291035B3}" srcId="{EB3F85B6-7778-4AA4-945B-DDA6D81EEA80}" destId="{799D0458-7874-4E17-A321-F4E36B8E5BA3}" srcOrd="0" destOrd="0" parTransId="{8FCB8CDC-11D7-4B37-9E54-C12782813E02}" sibTransId="{42C8F76C-7BDF-4DC7-AC94-EF6D885824A2}"/>
+    <dgm:cxn modelId="{998DF8DE-5373-42D0-AF36-1298E09EFF20}" type="presOf" srcId="{CD9869A5-DB7C-4FCC-AF11-ED61EB23D4C1}" destId="{68715311-EFDF-477D-B410-BAE0296EC67A}" srcOrd="0" destOrd="0" presId="urn:microsoft.com/office/officeart/2008/layout/HorizontalMultiLevelHierarchy"/>
+    <dgm:cxn modelId="{1252068F-0C45-46AD-8C92-508B1B82E441}" type="presOf" srcId="{DCE1AD03-3B7D-4BA3-A95D-AA03B3D30DBC}" destId="{3E3A3D94-077E-4E9C-A496-300259394F9E}" srcOrd="0" destOrd="0" presId="urn:microsoft.com/office/officeart/2008/layout/HorizontalMultiLevelHierarchy"/>
+    <dgm:cxn modelId="{712ADCC9-3659-4579-9A90-ED92C7FAF5B7}" type="presOf" srcId="{C1043AE4-5531-4746-8807-BCFFA516B415}" destId="{149461F4-D8ED-4D3D-93C2-1DF1FA987DA4}" srcOrd="0" destOrd="0" presId="urn:microsoft.com/office/officeart/2008/layout/HorizontalMultiLevelHierarchy"/>
+    <dgm:cxn modelId="{1EDD5940-3A96-48BC-8113-05FEC0361EAA}" type="presOf" srcId="{43C71346-2FE2-4153-9094-1D2224CD58F1}" destId="{B58460D7-F2A5-4498-8357-C69E62DACEB3}" srcOrd="0" destOrd="0" presId="urn:microsoft.com/office/officeart/2008/layout/HorizontalMultiLevelHierarchy"/>
+    <dgm:cxn modelId="{0F18982F-7CA1-43E9-80AA-1E7451195A43}" type="presOf" srcId="{799D0458-7874-4E17-A321-F4E36B8E5BA3}" destId="{9ECC6E07-57FC-4935-8AE9-D0CAA69516BB}" srcOrd="0" destOrd="0" presId="urn:microsoft.com/office/officeart/2008/layout/HorizontalMultiLevelHierarchy"/>
+    <dgm:cxn modelId="{D17AB81A-F240-4026-8E33-94F2C4F00872}" type="presOf" srcId="{7BBAF57B-D3E8-4357-848D-DFFA9F4E7918}" destId="{6BCE7F5B-9773-4ADA-AD63-E31815063815}" srcOrd="0" destOrd="0" presId="urn:microsoft.com/office/officeart/2008/layout/HorizontalMultiLevelHierarchy"/>
+    <dgm:cxn modelId="{B147A9A0-C7C8-4498-B685-71547CFAB901}" srcId="{EB3F85B6-7778-4AA4-945B-DDA6D81EEA80}" destId="{43C71346-2FE2-4153-9094-1D2224CD58F1}" srcOrd="1" destOrd="0" parTransId="{DCE1AD03-3B7D-4BA3-A95D-AA03B3D30DBC}" sibTransId="{1E429405-6CC9-4696-81E3-58251957F9E4}"/>
+    <dgm:cxn modelId="{D9C1ED83-179C-4338-B123-A1AA44CC9158}" srcId="{CD9869A5-DB7C-4FCC-AF11-ED61EB23D4C1}" destId="{EB3F85B6-7778-4AA4-945B-DDA6D81EEA80}" srcOrd="0" destOrd="0" parTransId="{62026E28-3556-4881-B642-E5B91F2B0800}" sibTransId="{F9856985-484E-4D2E-9026-861A294B7FD0}"/>
+    <dgm:cxn modelId="{046ADA72-5721-4B82-B77A-DAE921AEB831}" type="presOf" srcId="{EB3F85B6-7778-4AA4-945B-DDA6D81EEA80}" destId="{5CBFE96B-5747-438E-A410-CEE1027187FF}" srcOrd="0" destOrd="0" presId="urn:microsoft.com/office/officeart/2008/layout/HorizontalMultiLevelHierarchy"/>
+    <dgm:cxn modelId="{A3198147-9E6D-483E-9EF9-64E8A873A758}" type="presOf" srcId="{8FCB8CDC-11D7-4B37-9E54-C12782813E02}" destId="{63CBAC53-C0C5-439F-AAC0-2627C0CE7ADE}" srcOrd="0" destOrd="0" presId="urn:microsoft.com/office/officeart/2008/layout/HorizontalMultiLevelHierarchy"/>
+    <dgm:cxn modelId="{C84D98CE-D2B9-4353-B8C5-9E9D259C83FA}" type="presOf" srcId="{8FCB8CDC-11D7-4B37-9E54-C12782813E02}" destId="{2A02AF96-2CD3-43F0-824E-1D9B3AB89ACA}" srcOrd="1" destOrd="0" presId="urn:microsoft.com/office/officeart/2008/layout/HorizontalMultiLevelHierarchy"/>
+    <dgm:cxn modelId="{F409E9E5-FF5B-4F89-9C95-AAB200E7AEE9}" type="presOf" srcId="{7BBAF57B-D3E8-4357-848D-DFFA9F4E7918}" destId="{F01C9ADB-912E-4826-B2EC-BF87E964F707}" srcOrd="1" destOrd="0" presId="urn:microsoft.com/office/officeart/2008/layout/HorizontalMultiLevelHierarchy"/>
+    <dgm:cxn modelId="{D2AC6CFC-F631-4CD8-A69E-6AAC5322B99B}" type="presParOf" srcId="{68715311-EFDF-477D-B410-BAE0296EC67A}" destId="{0333C638-5A07-4997-A40A-AB36EFF7618B}" srcOrd="0" destOrd="0" presId="urn:microsoft.com/office/officeart/2008/layout/HorizontalMultiLevelHierarchy"/>
+    <dgm:cxn modelId="{2CE687B5-BB09-4A50-8AAB-1205272ED481}" type="presParOf" srcId="{0333C638-5A07-4997-A40A-AB36EFF7618B}" destId="{5CBFE96B-5747-438E-A410-CEE1027187FF}" srcOrd="0" destOrd="0" presId="urn:microsoft.com/office/officeart/2008/layout/HorizontalMultiLevelHierarchy"/>
+    <dgm:cxn modelId="{F9810531-5F4C-49EA-8CB2-94E0CEB5E942}" type="presParOf" srcId="{0333C638-5A07-4997-A40A-AB36EFF7618B}" destId="{6F0C910B-B194-4D23-BA9A-841CF7EBE589}" srcOrd="1" destOrd="0" presId="urn:microsoft.com/office/officeart/2008/layout/HorizontalMultiLevelHierarchy"/>
+    <dgm:cxn modelId="{D2F42F78-E9E7-4344-A158-E701C7D07F23}" type="presParOf" srcId="{6F0C910B-B194-4D23-BA9A-841CF7EBE589}" destId="{63CBAC53-C0C5-439F-AAC0-2627C0CE7ADE}" srcOrd="0" destOrd="0" presId="urn:microsoft.com/office/officeart/2008/layout/HorizontalMultiLevelHierarchy"/>
+    <dgm:cxn modelId="{E84CC901-089C-43C9-B9B6-91414C7E41D1}" type="presParOf" srcId="{63CBAC53-C0C5-439F-AAC0-2627C0CE7ADE}" destId="{2A02AF96-2CD3-43F0-824E-1D9B3AB89ACA}" srcOrd="0" destOrd="0" presId="urn:microsoft.com/office/officeart/2008/layout/HorizontalMultiLevelHierarchy"/>
+    <dgm:cxn modelId="{3D0CBDA9-F012-4A8E-A12D-F353A99F7A58}" type="presParOf" srcId="{6F0C910B-B194-4D23-BA9A-841CF7EBE589}" destId="{38A64432-662D-40AB-8BB1-1995346CF5E4}" srcOrd="1" destOrd="0" presId="urn:microsoft.com/office/officeart/2008/layout/HorizontalMultiLevelHierarchy"/>
+    <dgm:cxn modelId="{0FA95FD9-934F-4846-BA6A-72C99FC6F1ED}" type="presParOf" srcId="{38A64432-662D-40AB-8BB1-1995346CF5E4}" destId="{9ECC6E07-57FC-4935-8AE9-D0CAA69516BB}" srcOrd="0" destOrd="0" presId="urn:microsoft.com/office/officeart/2008/layout/HorizontalMultiLevelHierarchy"/>
+    <dgm:cxn modelId="{840C8753-ED6E-47BE-B7DF-D948CEA5F5B7}" type="presParOf" srcId="{38A64432-662D-40AB-8BB1-1995346CF5E4}" destId="{DC373068-7073-41A3-8093-3849E1396100}" srcOrd="1" destOrd="0" presId="urn:microsoft.com/office/officeart/2008/layout/HorizontalMultiLevelHierarchy"/>
+    <dgm:cxn modelId="{DEDA6EE0-BF5B-4519-8CD0-890510982294}" type="presParOf" srcId="{6F0C910B-B194-4D23-BA9A-841CF7EBE589}" destId="{3E3A3D94-077E-4E9C-A496-300259394F9E}" srcOrd="2" destOrd="0" presId="urn:microsoft.com/office/officeart/2008/layout/HorizontalMultiLevelHierarchy"/>
+    <dgm:cxn modelId="{0F5FB390-FAE3-4D4A-8484-AACD2B27A5EE}" type="presParOf" srcId="{3E3A3D94-077E-4E9C-A496-300259394F9E}" destId="{F198DCCA-5906-4E75-A47C-9B0A0E53C6BE}" srcOrd="0" destOrd="0" presId="urn:microsoft.com/office/officeart/2008/layout/HorizontalMultiLevelHierarchy"/>
+    <dgm:cxn modelId="{412A2A39-7D6E-49F2-BD2C-1A3C2C662264}" type="presParOf" srcId="{6F0C910B-B194-4D23-BA9A-841CF7EBE589}" destId="{3CD5033E-A629-4AF6-ABBE-1D4446DBDD29}" srcOrd="3" destOrd="0" presId="urn:microsoft.com/office/officeart/2008/layout/HorizontalMultiLevelHierarchy"/>
+    <dgm:cxn modelId="{844AF710-6898-48A0-A0EB-B6B400345FF2}" type="presParOf" srcId="{3CD5033E-A629-4AF6-ABBE-1D4446DBDD29}" destId="{B58460D7-F2A5-4498-8357-C69E62DACEB3}" srcOrd="0" destOrd="0" presId="urn:microsoft.com/office/officeart/2008/layout/HorizontalMultiLevelHierarchy"/>
+    <dgm:cxn modelId="{120A74EF-965A-4C34-81D4-187AC2636029}" type="presParOf" srcId="{3CD5033E-A629-4AF6-ABBE-1D4446DBDD29}" destId="{E5EDC364-4309-4DBD-BC24-41254DB6DCB9}" srcOrd="1" destOrd="0" presId="urn:microsoft.com/office/officeart/2008/layout/HorizontalMultiLevelHierarchy"/>
+    <dgm:cxn modelId="{41C45407-299A-48B8-8612-5CF60BBF8596}" type="presParOf" srcId="{6F0C910B-B194-4D23-BA9A-841CF7EBE589}" destId="{6BCE7F5B-9773-4ADA-AD63-E31815063815}" srcOrd="4" destOrd="0" presId="urn:microsoft.com/office/officeart/2008/layout/HorizontalMultiLevelHierarchy"/>
+    <dgm:cxn modelId="{5BA47E2E-F1FF-4AC1-AB9A-474B9B98DE18}" type="presParOf" srcId="{6BCE7F5B-9773-4ADA-AD63-E31815063815}" destId="{F01C9ADB-912E-4826-B2EC-BF87E964F707}" srcOrd="0" destOrd="0" presId="urn:microsoft.com/office/officeart/2008/layout/HorizontalMultiLevelHierarchy"/>
+    <dgm:cxn modelId="{D2D28105-49F7-413C-86A6-EE268AEAA61F}" type="presParOf" srcId="{6F0C910B-B194-4D23-BA9A-841CF7EBE589}" destId="{CAAF8225-6441-405E-A687-07D4D7C9C6DE}" srcOrd="5" destOrd="0" presId="urn:microsoft.com/office/officeart/2008/layout/HorizontalMultiLevelHierarchy"/>
+    <dgm:cxn modelId="{43893F2D-E3A8-468E-B22B-F2B047FF78FD}" type="presParOf" srcId="{CAAF8225-6441-405E-A687-07D4D7C9C6DE}" destId="{149461F4-D8ED-4D3D-93C2-1DF1FA987DA4}" srcOrd="0" destOrd="0" presId="urn:microsoft.com/office/officeart/2008/layout/HorizontalMultiLevelHierarchy"/>
+    <dgm:cxn modelId="{8CB3F0E4-F65E-4E50-AEF1-0D2D67CECEB3}" type="presParOf" srcId="{CAAF8225-6441-405E-A687-07D4D7C9C6DE}" destId="{C6BDCDFD-3E10-41DD-A186-3D9DCC87635A}" srcOrd="1" destOrd="0" presId="urn:microsoft.com/office/officeart/2008/layout/HorizontalMultiLevelHierarchy"/>
+  </dgm:cxnLst>
+  <dgm:bg/>
+  <dgm:whole/>
+  <dgm:extLst>
+    <a:ext uri="http://schemas.microsoft.com/office/drawing/2008/diagram">
+      <dsp:dataModelExt xmlns:dsp="http://schemas.microsoft.com/office/drawing/2008/diagram" relId="rId6" minVer="http://schemas.openxmlformats.org/drawingml/2006/diagram"/>
+    </a:ext>
+  </dgm:extLst>
+</dgm:dataModel>
+</file>
+
+<file path=ppt/diagrams/drawing1.xml><?xml version="1.0" encoding="utf-8"?>
+<dsp:drawing xmlns:dgm="http://schemas.openxmlformats.org/drawingml/2006/diagram" xmlns:dsp="http://schemas.microsoft.com/office/drawing/2008/diagram" xmlns:a="http://schemas.openxmlformats.org/drawingml/2006/main">
+  <dsp:spTree>
+    <dsp:nvGrpSpPr>
+      <dsp:cNvPr id="0" name=""/>
+      <dsp:cNvGrpSpPr/>
+    </dsp:nvGrpSpPr>
+    <dsp:grpSpPr/>
+    <dsp:sp modelId="{6BCE7F5B-9773-4ADA-AD63-E31815063815}">
+      <dsp:nvSpPr>
+        <dsp:cNvPr id="0" name=""/>
+        <dsp:cNvSpPr/>
+      </dsp:nvSpPr>
+      <dsp:spPr>
+        <a:xfrm>
+          <a:off x="2552625" y="2709333"/>
+          <a:ext cx="675382" cy="1286933"/>
+        </a:xfrm>
+        <a:custGeom>
+          <a:avLst/>
+          <a:gdLst/>
+          <a:ahLst/>
+          <a:cxnLst/>
+          <a:rect l="0" t="0" r="0" b="0"/>
+          <a:pathLst>
+            <a:path>
+              <a:moveTo>
+                <a:pt x="0" y="0"/>
+              </a:moveTo>
+              <a:lnTo>
+                <a:pt x="337691" y="0"/>
+              </a:lnTo>
+              <a:lnTo>
+                <a:pt x="337691" y="1286933"/>
+              </a:lnTo>
+              <a:lnTo>
+                <a:pt x="675382" y="1286933"/>
+              </a:lnTo>
+            </a:path>
+          </a:pathLst>
+        </a:custGeom>
+        <a:noFill/>
+        <a:ln w="12700" cap="flat" cmpd="sng" algn="ctr">
+          <a:solidFill>
+            <a:schemeClr val="accent1">
+              <a:shade val="60000"/>
+              <a:hueOff val="0"/>
+              <a:satOff val="0"/>
+              <a:lumOff val="0"/>
+              <a:alphaOff val="0"/>
+            </a:schemeClr>
+          </a:solidFill>
+          <a:prstDash val="solid"/>
+          <a:miter lim="800000"/>
+        </a:ln>
+        <a:effectLst/>
+      </dsp:spPr>
+      <dsp:style>
+        <a:lnRef idx="2">
+          <a:scrgbClr r="0" g="0" b="0"/>
+        </a:lnRef>
+        <a:fillRef idx="0">
+          <a:scrgbClr r="0" g="0" b="0"/>
+        </a:fillRef>
+        <a:effectRef idx="0">
+          <a:scrgbClr r="0" g="0" b="0"/>
+        </a:effectRef>
+        <a:fontRef idx="minor"/>
+      </dsp:style>
+      <dsp:txBody>
+        <a:bodyPr spcFirstLastPara="0" vert="horz" wrap="square" lIns="12700" tIns="0" rIns="12700" bIns="0" numCol="1" spcCol="1270" anchor="ctr" anchorCtr="0">
+          <a:noAutofit/>
+        </a:bodyPr>
+        <a:lstStyle/>
+        <a:p>
+          <a:pPr lvl="0" algn="ctr" defTabSz="222250">
+            <a:lnSpc>
+              <a:spcPct val="90000"/>
+            </a:lnSpc>
+            <a:spcBef>
+              <a:spcPct val="0"/>
+            </a:spcBef>
+            <a:spcAft>
+              <a:spcPct val="35000"/>
+            </a:spcAft>
+          </a:pPr>
+          <a:endParaRPr lang="en-IN" sz="500" kern="1200"/>
+        </a:p>
+      </dsp:txBody>
+      <dsp:txXfrm>
+        <a:off x="2853982" y="3316465"/>
+        <a:ext cx="72669" cy="72669"/>
+      </dsp:txXfrm>
+    </dsp:sp>
+    <dsp:sp modelId="{3E3A3D94-077E-4E9C-A496-300259394F9E}">
+      <dsp:nvSpPr>
+        <dsp:cNvPr id="0" name=""/>
+        <dsp:cNvSpPr/>
+      </dsp:nvSpPr>
+      <dsp:spPr>
+        <a:xfrm>
+          <a:off x="2552625" y="2663613"/>
+          <a:ext cx="675382" cy="91440"/>
+        </a:xfrm>
+        <a:custGeom>
+          <a:avLst/>
+          <a:gdLst/>
+          <a:ahLst/>
+          <a:cxnLst/>
+          <a:rect l="0" t="0" r="0" b="0"/>
+          <a:pathLst>
+            <a:path>
+              <a:moveTo>
+                <a:pt x="0" y="45720"/>
+              </a:moveTo>
+              <a:lnTo>
+                <a:pt x="675382" y="45720"/>
+              </a:lnTo>
+            </a:path>
+          </a:pathLst>
+        </a:custGeom>
+        <a:noFill/>
+        <a:ln w="12700" cap="flat" cmpd="sng" algn="ctr">
+          <a:solidFill>
+            <a:schemeClr val="accent1">
+              <a:shade val="60000"/>
+              <a:hueOff val="0"/>
+              <a:satOff val="0"/>
+              <a:lumOff val="0"/>
+              <a:alphaOff val="0"/>
+            </a:schemeClr>
+          </a:solidFill>
+          <a:prstDash val="solid"/>
+          <a:miter lim="800000"/>
+        </a:ln>
+        <a:effectLst/>
+      </dsp:spPr>
+      <dsp:style>
+        <a:lnRef idx="2">
+          <a:scrgbClr r="0" g="0" b="0"/>
+        </a:lnRef>
+        <a:fillRef idx="0">
+          <a:scrgbClr r="0" g="0" b="0"/>
+        </a:fillRef>
+        <a:effectRef idx="0">
+          <a:scrgbClr r="0" g="0" b="0"/>
+        </a:effectRef>
+        <a:fontRef idx="minor"/>
+      </dsp:style>
+      <dsp:txBody>
+        <a:bodyPr spcFirstLastPara="0" vert="horz" wrap="square" lIns="12700" tIns="0" rIns="12700" bIns="0" numCol="1" spcCol="1270" anchor="ctr" anchorCtr="0">
+          <a:noAutofit/>
+        </a:bodyPr>
+        <a:lstStyle/>
+        <a:p>
+          <a:pPr lvl="0" algn="ctr" defTabSz="222250">
+            <a:lnSpc>
+              <a:spcPct val="90000"/>
+            </a:lnSpc>
+            <a:spcBef>
+              <a:spcPct val="0"/>
+            </a:spcBef>
+            <a:spcAft>
+              <a:spcPct val="35000"/>
+            </a:spcAft>
+          </a:pPr>
+          <a:endParaRPr lang="en-IN" sz="500" kern="1200"/>
+        </a:p>
+      </dsp:txBody>
+      <dsp:txXfrm>
+        <a:off x="2873432" y="2692448"/>
+        <a:ext cx="33769" cy="33769"/>
+      </dsp:txXfrm>
+    </dsp:sp>
+    <dsp:sp modelId="{63CBAC53-C0C5-439F-AAC0-2627C0CE7ADE}">
+      <dsp:nvSpPr>
+        <dsp:cNvPr id="0" name=""/>
+        <dsp:cNvSpPr/>
+      </dsp:nvSpPr>
+      <dsp:spPr>
+        <a:xfrm>
+          <a:off x="2552625" y="1422400"/>
+          <a:ext cx="675382" cy="1286933"/>
+        </a:xfrm>
+        <a:custGeom>
+          <a:avLst/>
+          <a:gdLst/>
+          <a:ahLst/>
+          <a:cxnLst/>
+          <a:rect l="0" t="0" r="0" b="0"/>
+          <a:pathLst>
+            <a:path>
+              <a:moveTo>
+                <a:pt x="0" y="1286933"/>
+              </a:moveTo>
+              <a:lnTo>
+                <a:pt x="337691" y="1286933"/>
+              </a:lnTo>
+              <a:lnTo>
+                <a:pt x="337691" y="0"/>
+              </a:lnTo>
+              <a:lnTo>
+                <a:pt x="675382" y="0"/>
+              </a:lnTo>
+            </a:path>
+          </a:pathLst>
+        </a:custGeom>
+        <a:noFill/>
+        <a:ln w="12700" cap="flat" cmpd="sng" algn="ctr">
+          <a:solidFill>
+            <a:schemeClr val="accent1">
+              <a:shade val="60000"/>
+              <a:hueOff val="0"/>
+              <a:satOff val="0"/>
+              <a:lumOff val="0"/>
+              <a:alphaOff val="0"/>
+            </a:schemeClr>
+          </a:solidFill>
+          <a:prstDash val="solid"/>
+          <a:miter lim="800000"/>
+        </a:ln>
+        <a:effectLst/>
+      </dsp:spPr>
+      <dsp:style>
+        <a:lnRef idx="2">
+          <a:scrgbClr r="0" g="0" b="0"/>
+        </a:lnRef>
+        <a:fillRef idx="0">
+          <a:scrgbClr r="0" g="0" b="0"/>
+        </a:fillRef>
+        <a:effectRef idx="0">
+          <a:scrgbClr r="0" g="0" b="0"/>
+        </a:effectRef>
+        <a:fontRef idx="minor"/>
+      </dsp:style>
+      <dsp:txBody>
+        <a:bodyPr spcFirstLastPara="0" vert="horz" wrap="square" lIns="12700" tIns="0" rIns="12700" bIns="0" numCol="1" spcCol="1270" anchor="ctr" anchorCtr="0">
+          <a:noAutofit/>
+        </a:bodyPr>
+        <a:lstStyle/>
+        <a:p>
+          <a:pPr lvl="0" algn="ctr" defTabSz="222250">
+            <a:lnSpc>
+              <a:spcPct val="90000"/>
+            </a:lnSpc>
+            <a:spcBef>
+              <a:spcPct val="0"/>
+            </a:spcBef>
+            <a:spcAft>
+              <a:spcPct val="35000"/>
+            </a:spcAft>
+          </a:pPr>
+          <a:endParaRPr lang="en-IN" sz="500" kern="1200"/>
+        </a:p>
+      </dsp:txBody>
+      <dsp:txXfrm>
+        <a:off x="2853982" y="2029532"/>
+        <a:ext cx="72669" cy="72669"/>
+      </dsp:txXfrm>
+    </dsp:sp>
+    <dsp:sp modelId="{5CBFE96B-5747-438E-A410-CEE1027187FF}">
+      <dsp:nvSpPr>
+        <dsp:cNvPr id="0" name=""/>
+        <dsp:cNvSpPr/>
+      </dsp:nvSpPr>
+      <dsp:spPr>
+        <a:xfrm rot="16200000">
+          <a:off x="-671481" y="2194560"/>
+          <a:ext cx="5418667" cy="1029546"/>
+        </a:xfrm>
+        <a:prstGeom prst="rect">
+          <a:avLst/>
+        </a:prstGeom>
+        <a:solidFill>
+          <a:schemeClr val="accent1">
+            <a:hueOff val="0"/>
+            <a:satOff val="0"/>
+            <a:lumOff val="0"/>
+            <a:alphaOff val="0"/>
+          </a:schemeClr>
+        </a:solidFill>
+        <a:ln w="12700" cap="flat" cmpd="sng" algn="ctr">
+          <a:solidFill>
+            <a:schemeClr val="lt1">
+              <a:hueOff val="0"/>
+              <a:satOff val="0"/>
+              <a:lumOff val="0"/>
+              <a:alphaOff val="0"/>
+            </a:schemeClr>
+          </a:solidFill>
+          <a:prstDash val="solid"/>
+          <a:miter lim="800000"/>
+        </a:ln>
+        <a:effectLst/>
+      </dsp:spPr>
+      <dsp:style>
+        <a:lnRef idx="2">
+          <a:scrgbClr r="0" g="0" b="0"/>
+        </a:lnRef>
+        <a:fillRef idx="1">
+          <a:scrgbClr r="0" g="0" b="0"/>
+        </a:fillRef>
+        <a:effectRef idx="0">
+          <a:scrgbClr r="0" g="0" b="0"/>
+        </a:effectRef>
+        <a:fontRef idx="minor">
+          <a:schemeClr val="lt1"/>
+        </a:fontRef>
+      </dsp:style>
+      <dsp:txBody>
+        <a:bodyPr spcFirstLastPara="0" vert="horz" wrap="square" lIns="41275" tIns="41275" rIns="41275" bIns="41275" numCol="1" spcCol="1270" anchor="ctr" anchorCtr="0">
+          <a:noAutofit/>
+        </a:bodyPr>
+        <a:lstStyle/>
+        <a:p>
+          <a:pPr lvl="0" algn="ctr" defTabSz="2889250">
+            <a:lnSpc>
+              <a:spcPct val="90000"/>
+            </a:lnSpc>
+            <a:spcBef>
+              <a:spcPct val="0"/>
+            </a:spcBef>
+            <a:spcAft>
+              <a:spcPct val="35000"/>
+            </a:spcAft>
+          </a:pPr>
+          <a:r>
+            <a:rPr lang="en-IN" sz="6500" kern="1200" dirty="0" err="1" smtClean="0"/>
+            <a:t>cirticisms</a:t>
+          </a:r>
+          <a:endParaRPr lang="en-IN" sz="6500" kern="1200" dirty="0"/>
+        </a:p>
+      </dsp:txBody>
+      <dsp:txXfrm>
+        <a:off x="-671481" y="2194560"/>
+        <a:ext cx="5418667" cy="1029546"/>
+      </dsp:txXfrm>
+    </dsp:sp>
+    <dsp:sp modelId="{9ECC6E07-57FC-4935-8AE9-D0CAA69516BB}">
+      <dsp:nvSpPr>
+        <dsp:cNvPr id="0" name=""/>
+        <dsp:cNvSpPr/>
+      </dsp:nvSpPr>
+      <dsp:spPr>
+        <a:xfrm>
+          <a:off x="3228008" y="907626"/>
+          <a:ext cx="3376913" cy="1029546"/>
+        </a:xfrm>
+        <a:prstGeom prst="rect">
+          <a:avLst/>
+        </a:prstGeom>
+        <a:solidFill>
+          <a:schemeClr val="accent1">
+            <a:hueOff val="0"/>
+            <a:satOff val="0"/>
+            <a:lumOff val="0"/>
+            <a:alphaOff val="0"/>
+          </a:schemeClr>
+        </a:solidFill>
+        <a:ln w="12700" cap="flat" cmpd="sng" algn="ctr">
+          <a:solidFill>
+            <a:schemeClr val="lt1">
+              <a:hueOff val="0"/>
+              <a:satOff val="0"/>
+              <a:lumOff val="0"/>
+              <a:alphaOff val="0"/>
+            </a:schemeClr>
+          </a:solidFill>
+          <a:prstDash val="solid"/>
+          <a:miter lim="800000"/>
+        </a:ln>
+        <a:effectLst/>
+      </dsp:spPr>
+      <dsp:style>
+        <a:lnRef idx="2">
+          <a:scrgbClr r="0" g="0" b="0"/>
+        </a:lnRef>
+        <a:fillRef idx="1">
+          <a:scrgbClr r="0" g="0" b="0"/>
+        </a:fillRef>
+        <a:effectRef idx="0">
+          <a:scrgbClr r="0" g="0" b="0"/>
+        </a:effectRef>
+        <a:fontRef idx="minor">
+          <a:schemeClr val="lt1"/>
+        </a:fontRef>
+      </dsp:style>
+      <dsp:txBody>
+        <a:bodyPr spcFirstLastPara="0" vert="horz" wrap="square" lIns="14605" tIns="14605" rIns="14605" bIns="14605" numCol="1" spcCol="1270" anchor="ctr" anchorCtr="0">
+          <a:noAutofit/>
+        </a:bodyPr>
+        <a:lstStyle/>
+        <a:p>
+          <a:pPr lvl="0" algn="ctr" defTabSz="1022350">
+            <a:lnSpc>
+              <a:spcPct val="90000"/>
+            </a:lnSpc>
+            <a:spcBef>
+              <a:spcPct val="0"/>
+            </a:spcBef>
+            <a:spcAft>
+              <a:spcPct val="35000"/>
+            </a:spcAft>
+          </a:pPr>
+          <a:r>
+            <a:rPr lang="en-IN" sz="2300" kern="1200" dirty="0" smtClean="0"/>
+            <a:t>Lack of structure and </a:t>
+          </a:r>
+          <a:r>
+            <a:rPr lang="en-IN" sz="2300" kern="1200" smtClean="0"/>
+            <a:t>necessary documentation</a:t>
+          </a:r>
+          <a:endParaRPr lang="en-IN" sz="2300" kern="1200" dirty="0"/>
+        </a:p>
+      </dsp:txBody>
+      <dsp:txXfrm>
+        <a:off x="3228008" y="907626"/>
+        <a:ext cx="3376913" cy="1029546"/>
+      </dsp:txXfrm>
+    </dsp:sp>
+    <dsp:sp modelId="{B58460D7-F2A5-4498-8357-C69E62DACEB3}">
+      <dsp:nvSpPr>
+        <dsp:cNvPr id="0" name=""/>
+        <dsp:cNvSpPr/>
+      </dsp:nvSpPr>
+      <dsp:spPr>
+        <a:xfrm>
+          <a:off x="3228008" y="2194560"/>
+          <a:ext cx="3376913" cy="1029546"/>
+        </a:xfrm>
+        <a:prstGeom prst="rect">
+          <a:avLst/>
+        </a:prstGeom>
+        <a:solidFill>
+          <a:schemeClr val="accent1">
+            <a:hueOff val="0"/>
+            <a:satOff val="0"/>
+            <a:lumOff val="0"/>
+            <a:alphaOff val="0"/>
+          </a:schemeClr>
+        </a:solidFill>
+        <a:ln w="12700" cap="flat" cmpd="sng" algn="ctr">
+          <a:solidFill>
+            <a:schemeClr val="lt1">
+              <a:hueOff val="0"/>
+              <a:satOff val="0"/>
+              <a:lumOff val="0"/>
+              <a:alphaOff val="0"/>
+            </a:schemeClr>
+          </a:solidFill>
+          <a:prstDash val="solid"/>
+          <a:miter lim="800000"/>
+        </a:ln>
+        <a:effectLst/>
+      </dsp:spPr>
+      <dsp:style>
+        <a:lnRef idx="2">
+          <a:scrgbClr r="0" g="0" b="0"/>
+        </a:lnRef>
+        <a:fillRef idx="1">
+          <a:scrgbClr r="0" g="0" b="0"/>
+        </a:fillRef>
+        <a:effectRef idx="0">
+          <a:scrgbClr r="0" g="0" b="0"/>
+        </a:effectRef>
+        <a:fontRef idx="minor">
+          <a:schemeClr val="lt1"/>
+        </a:fontRef>
+      </dsp:style>
+      <dsp:txBody>
+        <a:bodyPr spcFirstLastPara="0" vert="horz" wrap="square" lIns="14605" tIns="14605" rIns="14605" bIns="14605" numCol="1" spcCol="1270" anchor="ctr" anchorCtr="0">
+          <a:noAutofit/>
+        </a:bodyPr>
+        <a:lstStyle/>
+        <a:p>
+          <a:pPr lvl="0" algn="ctr" defTabSz="1022350">
+            <a:lnSpc>
+              <a:spcPct val="90000"/>
+            </a:lnSpc>
+            <a:spcBef>
+              <a:spcPct val="0"/>
+            </a:spcBef>
+            <a:spcAft>
+              <a:spcPct val="35000"/>
+            </a:spcAft>
+          </a:pPr>
+          <a:r>
+            <a:rPr lang="en-IN" sz="2300" kern="1200" dirty="0" smtClean="0"/>
+            <a:t>Requires too much cultural changes to adopt</a:t>
+          </a:r>
+          <a:endParaRPr lang="en-IN" sz="2300" kern="1200" dirty="0"/>
+        </a:p>
+      </dsp:txBody>
+      <dsp:txXfrm>
+        <a:off x="3228008" y="2194560"/>
+        <a:ext cx="3376913" cy="1029546"/>
+      </dsp:txXfrm>
+    </dsp:sp>
+    <dsp:sp modelId="{149461F4-D8ED-4D3D-93C2-1DF1FA987DA4}">
+      <dsp:nvSpPr>
+        <dsp:cNvPr id="0" name=""/>
+        <dsp:cNvSpPr/>
+      </dsp:nvSpPr>
+      <dsp:spPr>
+        <a:xfrm>
+          <a:off x="3228008" y="3481493"/>
+          <a:ext cx="3376913" cy="1029546"/>
+        </a:xfrm>
+        <a:prstGeom prst="rect">
+          <a:avLst/>
+        </a:prstGeom>
+        <a:solidFill>
+          <a:schemeClr val="accent1">
+            <a:hueOff val="0"/>
+            <a:satOff val="0"/>
+            <a:lumOff val="0"/>
+            <a:alphaOff val="0"/>
+          </a:schemeClr>
+        </a:solidFill>
+        <a:ln w="12700" cap="flat" cmpd="sng" algn="ctr">
+          <a:solidFill>
+            <a:schemeClr val="lt1">
+              <a:hueOff val="0"/>
+              <a:satOff val="0"/>
+              <a:lumOff val="0"/>
+              <a:alphaOff val="0"/>
+            </a:schemeClr>
+          </a:solidFill>
+          <a:prstDash val="solid"/>
+          <a:miter lim="800000"/>
+        </a:ln>
+        <a:effectLst/>
+      </dsp:spPr>
+      <dsp:style>
+        <a:lnRef idx="2">
+          <a:scrgbClr r="0" g="0" b="0"/>
+        </a:lnRef>
+        <a:fillRef idx="1">
+          <a:scrgbClr r="0" g="0" b="0"/>
+        </a:fillRef>
+        <a:effectRef idx="0">
+          <a:scrgbClr r="0" g="0" b="0"/>
+        </a:effectRef>
+        <a:fontRef idx="minor">
+          <a:schemeClr val="lt1"/>
+        </a:fontRef>
+      </dsp:style>
+      <dsp:txBody>
+        <a:bodyPr spcFirstLastPara="0" vert="horz" wrap="square" lIns="14605" tIns="14605" rIns="14605" bIns="14605" numCol="1" spcCol="1270" anchor="ctr" anchorCtr="0">
+          <a:noAutofit/>
+        </a:bodyPr>
+        <a:lstStyle/>
+        <a:p>
+          <a:pPr lvl="0" algn="ctr" defTabSz="1022350">
+            <a:lnSpc>
+              <a:spcPct val="90000"/>
+            </a:lnSpc>
+            <a:spcBef>
+              <a:spcPct val="0"/>
+            </a:spcBef>
+            <a:spcAft>
+              <a:spcPct val="35000"/>
+            </a:spcAft>
+          </a:pPr>
+          <a:r>
+            <a:rPr lang="en-IN" sz="2300" kern="1200" dirty="0" smtClean="0"/>
+            <a:t>Works with senior-level developers</a:t>
+          </a:r>
+          <a:endParaRPr lang="en-IN" sz="2300" kern="1200" dirty="0"/>
+        </a:p>
+      </dsp:txBody>
+      <dsp:txXfrm>
+        <a:off x="3228008" y="3481493"/>
+        <a:ext cx="3376913" cy="1029546"/>
+      </dsp:txXfrm>
+    </dsp:sp>
+  </dsp:spTree>
+</dsp:drawing>
+</file>
+
+<file path=ppt/diagrams/layout1.xml><?xml version="1.0" encoding="utf-8"?>
+<dgm:layoutDef xmlns:dgm="http://schemas.openxmlformats.org/drawingml/2006/diagram" xmlns:a="http://schemas.openxmlformats.org/drawingml/2006/main" uniqueId="urn:microsoft.com/office/officeart/2008/layout/HorizontalMultiLevelHierarchy">
+  <dgm:title val=""/>
+  <dgm:desc val=""/>
+  <dgm:catLst>
+    <dgm:cat type="hierarchy" pri="4600"/>
+  </dgm:catLst>
+  <dgm:sampData>
+    <dgm:dataModel>
+      <dgm:ptLst>
+        <dgm:pt modelId="0" type="doc"/>
+        <dgm:pt modelId="1">
+          <dgm:prSet phldr="1"/>
+        </dgm:pt>
+        <dgm:pt modelId="11">
+          <dgm:prSet phldr="1"/>
+        </dgm:pt>
+        <dgm:pt modelId="12">
+          <dgm:prSet phldr="1"/>
+        </dgm:pt>
+        <dgm:pt modelId="13">
+          <dgm:prSet phldr="1"/>
+        </dgm:pt>
+      </dgm:ptLst>
+      <dgm:cxnLst>
+        <dgm:cxn modelId="2" srcId="0" destId="1" srcOrd="0" destOrd="0"/>
+        <dgm:cxn modelId="3" srcId="1" destId="11" srcOrd="0" destOrd="0"/>
+        <dgm:cxn modelId="4" srcId="1" destId="12" srcOrd="1" destOrd="0"/>
+        <dgm:cxn modelId="5" srcId="1" destId="13" srcOrd="2" destOrd="0"/>
+      </dgm:cxnLst>
+      <dgm:bg/>
+      <dgm:whole/>
+    </dgm:dataModel>
+  </dgm:sampData>
+  <dgm:styleData>
+    <dgm:dataModel>
+      <dgm:ptLst>
+        <dgm:pt modelId="0" type="doc"/>
+        <dgm:pt modelId="1">
+          <dgm:prSet phldr="1"/>
+        </dgm:pt>
+        <dgm:pt modelId="11">
+          <dgm:prSet phldr="1"/>
+        </dgm:pt>
+        <dgm:pt modelId="12">
+          <dgm:prSet phldr="1"/>
+        </dgm:pt>
+      </dgm:ptLst>
+      <dgm:cxnLst>
+        <dgm:cxn modelId="2" srcId="0" destId="1" srcOrd="0" destOrd="0"/>
+        <dgm:cxn modelId="3" srcId="1" destId="11" srcOrd="0" destOrd="0"/>
+        <dgm:cxn modelId="4" srcId="1" destId="12" srcOrd="1" destOrd="0"/>
+      </dgm:cxnLst>
+      <dgm:bg/>
+      <dgm:whole/>
+    </dgm:dataModel>
+  </dgm:styleData>
+  <dgm:clrData>
+    <dgm:dataModel>
+      <dgm:ptLst>
+        <dgm:pt modelId="0" type="doc"/>
+        <dgm:pt modelId="1">
+          <dgm:prSet phldr="1"/>
+        </dgm:pt>
+        <dgm:pt modelId="11">
+          <dgm:prSet phldr="1"/>
+        </dgm:pt>
+        <dgm:pt modelId="12">
+          <dgm:prSet phldr="1"/>
+        </dgm:pt>
+        <dgm:pt modelId="13">
+          <dgm:prSet phldr="1"/>
+        </dgm:pt>
+      </dgm:ptLst>
+      <dgm:cxnLst>
+        <dgm:cxn modelId="2" srcId="0" destId="1" srcOrd="0" destOrd="0"/>
+        <dgm:cxn modelId="3" srcId="1" destId="11" srcOrd="0" destOrd="0"/>
+        <dgm:cxn modelId="4" srcId="1" destId="12" srcOrd="1" destOrd="0"/>
+        <dgm:cxn modelId="5" srcId="1" destId="13" srcOrd="2" destOrd="0"/>
+      </dgm:cxnLst>
+      <dgm:bg/>
+      <dgm:whole/>
+    </dgm:dataModel>
+  </dgm:clrData>
+  <dgm:layoutNode name="Name0">
+    <dgm:varLst>
+      <dgm:chPref val="1"/>
+      <dgm:dir/>
+      <dgm:animOne val="branch"/>
+      <dgm:animLvl val="lvl"/>
+      <dgm:resizeHandles val="exact"/>
+    </dgm:varLst>
+    <dgm:choose name="Name1">
+      <dgm:if name="Name2" func="var" arg="dir" op="equ" val="norm">
+        <dgm:alg type="hierChild">
+          <dgm:param type="linDir" val="fromT"/>
+          <dgm:param type="chAlign" val="l"/>
+        </dgm:alg>
+      </dgm:if>
+      <dgm:else name="Name3">
+        <dgm:alg type="hierChild">
+          <dgm:param type="linDir" val="fromT"/>
+          <dgm:param type="chAlign" val="r"/>
+        </dgm:alg>
+      </dgm:else>
+    </dgm:choose>
+    <dgm:shape xmlns:r="http://schemas.openxmlformats.org/officeDocument/2006/relationships" r:blip="">
+      <dgm:adjLst/>
+    </dgm:shape>
+    <dgm:presOf/>
+    <dgm:constrLst>
+      <dgm:constr type="h" for="des" forName="LevelOneTextNode" refType="h"/>
+      <dgm:constr type="w" for="des" forName="LevelOneTextNode" refType="h" refFor="des" refForName="LevelOneTextNode" fact="0.19"/>
+      <dgm:constr type="h" for="des" forName="LevelTwoTextNode" refType="w" refFor="des" refForName="LevelOneTextNode"/>
+      <dgm:constr type="w" for="des" forName="LevelTwoTextNode" refType="h" refFor="des" refForName="LevelTwoTextNode" fact="3.28"/>
+      <dgm:constr type="sibSp" refType="h" refFor="des" refForName="LevelTwoTextNode" op="equ" fact="0.25"/>
+      <dgm:constr type="sibSp" for="des" forName="level2hierChild" refType="h" refFor="des" refForName="LevelTwoTextNode" op="equ" fact="0.25"/>
+      <dgm:constr type="sibSp" for="des" forName="level3hierChild" refType="h" refFor="des" refForName="LevelTwoTextNode" op="equ" fact="0.25"/>
+      <dgm:constr type="sp" for="des" forName="root1" refType="w" refFor="des" refForName="LevelTwoTextNode" fact="0.2"/>
+      <dgm:constr type="sp" for="des" forName="root2" refType="sp" refFor="des" refForName="root1" op="equ"/>
+      <dgm:constr type="primFontSz" for="des" forName="LevelOneTextNode" op="equ" val="65"/>
+      <dgm:constr type="primFontSz" for="des" forName="LevelTwoTextNode" op="equ" val="65"/>
+      <dgm:constr type="primFontSz" for="des" forName="LevelTwoTextNode" refType="primFontSz" refFor="des" refForName="LevelOneTextNode" op="lte"/>
+      <dgm:constr type="primFontSz" for="des" forName="connTx" op="equ" val="50"/>
+      <dgm:constr type="primFontSz" for="des" forName="connTx" refType="primFontSz" refFor="des" refForName="LevelOneTextNode" op="lte" fact="0.78"/>
+    </dgm:constrLst>
+    <dgm:forEach name="Name4" axis="ch">
+      <dgm:forEach name="Name5" axis="self" ptType="node">
+        <dgm:layoutNode name="root1">
+          <dgm:choose name="Name6">
+            <dgm:if name="Name7" func="var" arg="dir" op="equ" val="norm">
+              <dgm:alg type="hierRoot">
+                <dgm:param type="hierAlign" val="lCtrCh"/>
+              </dgm:alg>
+            </dgm:if>
+            <dgm:else name="Name8">
+              <dgm:alg type="hierRoot">
+                <dgm:param type="hierAlign" val="rCtrCh"/>
+              </dgm:alg>
+            </dgm:else>
+          </dgm:choose>
+          <dgm:shape xmlns:r="http://schemas.openxmlformats.org/officeDocument/2006/relationships" r:blip="">
+            <dgm:adjLst/>
+          </dgm:shape>
+          <dgm:presOf/>
+          <dgm:layoutNode name="LevelOneTextNode" styleLbl="node0">
+            <dgm:varLst>
+              <dgm:chPref val="3"/>
+            </dgm:varLst>
+            <dgm:alg type="tx">
+              <dgm:param type="autoTxRot" val="grav"/>
+            </dgm:alg>
+            <dgm:choose name="Name9">
+              <dgm:if name="Name10" func="var" arg="dir" op="equ" val="norm">
+                <dgm:shape xmlns:r="http://schemas.openxmlformats.org/officeDocument/2006/relationships" rot="270" type="rect" r:blip="">
+                  <dgm:adjLst/>
+                </dgm:shape>
+              </dgm:if>
+              <dgm:else name="Name11">
+                <dgm:shape xmlns:r="http://schemas.openxmlformats.org/officeDocument/2006/relationships" rot="90" type="rect" r:blip="">
+                  <dgm:adjLst/>
+                </dgm:shape>
+              </dgm:else>
+            </dgm:choose>
+            <dgm:presOf axis="self"/>
+            <dgm:constrLst>
+              <dgm:constr type="tMarg" refType="primFontSz" fact="0.05"/>
+              <dgm:constr type="bMarg" refType="primFontSz" fact="0.05"/>
+              <dgm:constr type="lMarg" refType="primFontSz" fact="0.05"/>
+              <dgm:constr type="rMarg" refType="primFontSz" fact="0.05"/>
+            </dgm:constrLst>
+            <dgm:ruleLst>
+              <dgm:rule type="primFontSz" val="2" fact="NaN" max="NaN"/>
+            </dgm:ruleLst>
+          </dgm:layoutNode>
+          <dgm:layoutNode name="level2hierChild">
+            <dgm:choose name="Name12">
+              <dgm:if name="Name13" func="var" arg="dir" op="equ" val="norm">
+                <dgm:alg type="hierChild">
+                  <dgm:param type="linDir" val="fromT"/>
+                  <dgm:param type="chAlign" val="l"/>
+                </dgm:alg>
+              </dgm:if>
+              <dgm:else name="Name14">
+                <dgm:alg type="hierChild">
+                  <dgm:param type="linDir" val="fromT"/>
+                  <dgm:param type="chAlign" val="r"/>
+                </dgm:alg>
+              </dgm:else>
+            </dgm:choose>
+            <dgm:shape xmlns:r="http://schemas.openxmlformats.org/officeDocument/2006/relationships" r:blip="">
+              <dgm:adjLst/>
+            </dgm:shape>
+            <dgm:presOf/>
+            <dgm:forEach name="repeat" axis="ch">
+              <dgm:forEach name="Name15" axis="self" ptType="parTrans" cnt="1">
+                <dgm:layoutNode name="conn2-1">
+                  <dgm:choose name="Name16">
+                    <dgm:if name="Name17" func="var" arg="dir" op="equ" val="norm">
+                      <dgm:alg type="conn">
+                        <dgm:param type="dim" val="1D"/>
+                        <dgm:param type="begPts" val="midR"/>
+                        <dgm:param type="endPts" val="midL"/>
+                        <dgm:param type="endSty" val="noArr"/>
+                        <dgm:param type="connRout" val="bend"/>
+                      </dgm:alg>
+                    </dgm:if>
+                    <dgm:else name="Name18">
+                      <dgm:alg type="conn">
+                        <dgm:param type="dim" val="1D"/>
+                        <dgm:param type="begPts" val="midL"/>
+                        <dgm:param type="endPts" val="midR"/>
+                        <dgm:param type="endSty" val="noArr"/>
+                        <dgm:param type="connRout" val="bend"/>
+                      </dgm:alg>
+                    </dgm:else>
+                  </dgm:choose>
+                  <dgm:shape xmlns:r="http://schemas.openxmlformats.org/officeDocument/2006/relationships" type="conn" r:blip="" zOrderOff="-99999">
+                    <dgm:adjLst/>
+                  </dgm:shape>
+                  <dgm:presOf axis="self"/>
+                  <dgm:constrLst>
+                    <dgm:constr type="w" val="1"/>
+                    <dgm:constr type="h" val="5"/>
+                    <dgm:constr type="connDist"/>
+                    <dgm:constr type="begPad"/>
+                    <dgm:constr type="endPad"/>
+                    <dgm:constr type="userA" for="ch" refType="connDist"/>
+                  </dgm:constrLst>
+                  <dgm:layoutNode name="connTx">
+                    <dgm:alg type="tx">
+                      <dgm:param type="autoTxRot" val="grav"/>
+                    </dgm:alg>
+                    <dgm:shape xmlns:r="http://schemas.openxmlformats.org/officeDocument/2006/relationships" type="rect" r:blip="" hideGeom="1">
+                      <dgm:adjLst/>
+                    </dgm:shape>
+                    <dgm:presOf axis="self"/>
+                    <dgm:constrLst>
+                      <dgm:constr type="userA"/>
+                      <dgm:constr type="w" refType="userA" fact="0.05"/>
+                      <dgm:constr type="h" refType="userA" fact="0.05"/>
+                      <dgm:constr type="lMarg" val="1"/>
+                      <dgm:constr type="rMarg" val="1"/>
+                      <dgm:constr type="tMarg"/>
+                      <dgm:constr type="bMarg"/>
+                    </dgm:constrLst>
+                    <dgm:ruleLst>
+                      <dgm:rule type="h" val="NaN" fact="0.25" max="NaN"/>
+                      <dgm:rule type="w" val="NaN" fact="0.8" max="NaN"/>
+                      <dgm:rule type="primFontSz" val="5" fact="NaN" max="NaN"/>
+                    </dgm:ruleLst>
+                  </dgm:layoutNode>
+                </dgm:layoutNode>
+              </dgm:forEach>
+              <dgm:forEach name="Name19" axis="self" ptType="node">
+                <dgm:layoutNode name="root2">
+                  <dgm:choose name="Name20">
+                    <dgm:if name="Name21" func="var" arg="dir" op="equ" val="norm">
+                      <dgm:alg type="hierRoot">
+                        <dgm:param type="hierAlign" val="lCtrCh"/>
+                      </dgm:alg>
+                    </dgm:if>
+                    <dgm:else name="Name22">
+                      <dgm:alg type="hierRoot">
+                        <dgm:param type="hierAlign" val="rCtrCh"/>
+                      </dgm:alg>
+                    </dgm:else>
+                  </dgm:choose>
+                  <dgm:shape xmlns:r="http://schemas.openxmlformats.org/officeDocument/2006/relationships" r:blip="">
+                    <dgm:adjLst/>
+                  </dgm:shape>
+                  <dgm:presOf/>
+                  <dgm:layoutNode name="LevelTwoTextNode">
+                    <dgm:varLst>
+                      <dgm:chPref val="3"/>
+                    </dgm:varLst>
+                    <dgm:alg type="tx"/>
+                    <dgm:shape xmlns:r="http://schemas.openxmlformats.org/officeDocument/2006/relationships" type="rect" r:blip="">
+                      <dgm:adjLst/>
+                    </dgm:shape>
+                    <dgm:presOf axis="self"/>
+                    <dgm:constrLst>
+                      <dgm:constr type="tMarg" refType="primFontSz" fact="0.05"/>
+                      <dgm:constr type="bMarg" refType="primFontSz" fact="0.05"/>
+                      <dgm:constr type="lMarg" refType="primFontSz" fact="0.05"/>
+                      <dgm:constr type="rMarg" refType="primFontSz" fact="0.05"/>
+                    </dgm:constrLst>
+                    <dgm:ruleLst>
+                      <dgm:rule type="primFontSz" val="2" fact="NaN" max="NaN"/>
+                    </dgm:ruleLst>
+                  </dgm:layoutNode>
+                  <dgm:layoutNode name="level3hierChild">
+                    <dgm:choose name="Name23">
+                      <dgm:if name="Name24" func="var" arg="dir" op="equ" val="norm">
+                        <dgm:alg type="hierChild">
+                          <dgm:param type="linDir" val="fromT"/>
+                          <dgm:param type="chAlign" val="l"/>
+                        </dgm:alg>
+                      </dgm:if>
+                      <dgm:else name="Name25">
+                        <dgm:alg type="hierChild">
+                          <dgm:param type="linDir" val="fromT"/>
+                          <dgm:param type="chAlign" val="r"/>
+                        </dgm:alg>
+                      </dgm:else>
+                    </dgm:choose>
+                    <dgm:shape xmlns:r="http://schemas.openxmlformats.org/officeDocument/2006/relationships" r:blip="">
+                      <dgm:adjLst/>
+                    </dgm:shape>
+                    <dgm:presOf/>
+                    <dgm:forEach name="Name26" ref="repeat"/>
+                  </dgm:layoutNode>
+                </dgm:layoutNode>
+              </dgm:forEach>
+            </dgm:forEach>
+          </dgm:layoutNode>
+        </dgm:layoutNode>
+      </dgm:forEach>
+    </dgm:forEach>
+  </dgm:layoutNode>
+</dgm:layoutDef>
+</file>
+
+<file path=ppt/diagrams/quickStyle1.xml><?xml version="1.0" encoding="utf-8"?>
+<dgm:styleDef xmlns:dgm="http://schemas.openxmlformats.org/drawingml/2006/diagram" xmlns:a="http://schemas.openxmlformats.org/drawingml/2006/main" uniqueId="urn:microsoft.com/office/officeart/2005/8/quickstyle/simple1">
+  <dgm:title val=""/>
+  <dgm:desc val=""/>
+  <dgm:catLst>
+    <dgm:cat type="simple" pri="10100"/>
+  </dgm:catLst>
+  <dgm:scene3d>
+    <a:camera prst="orthographicFront"/>
+    <a:lightRig rig="threePt" dir="t"/>
+  </dgm:scene3d>
+  <dgm:styleLbl name="node0">
+    <dgm:scene3d>
+      <a:camera prst="orthographicFront"/>
+      <a:lightRig rig="threePt" dir="t"/>
+    </dgm:scene3d>
+    <dgm:sp3d/>
+    <dgm:txPr/>
+    <dgm:style>
+      <a:lnRef idx="2">
+        <a:scrgbClr r="0" g="0" b="0"/>
+      </a:lnRef>
+      <a:fillRef idx="1">
+        <a:scrgbClr r="0" g="0" b="0"/>
+      </a:fillRef>
+      <a:effectRef idx="0">
+        <a:scrgbClr r="0" g="0" b="0"/>
+      </a:effectRef>
+      <a:fontRef idx="minor">
+        <a:schemeClr val="lt1"/>
+      </a:fontRef>
+    </dgm:style>
+  </dgm:styleLbl>
+  <dgm:styleLbl name="lnNode1">
+    <dgm:scene3d>
+      <a:camera prst="orthographicFront"/>
+      <a:lightRig rig="threePt" dir="t"/>
+    </dgm:scene3d>
+    <dgm:sp3d/>
+    <dgm:txPr/>
+    <dgm:style>
+      <a:lnRef idx="2">
+        <a:scrgbClr r="0" g="0" b="0"/>
+      </a:lnRef>
+      <a:fillRef idx="1">
+        <a:scrgbClr r="0" g="0" b="0"/>
+      </a:fillRef>
+      <a:effectRef idx="0">
+        <a:scrgbClr r="0" g="0" b="0"/>
+      </a:effectRef>
+      <a:fontRef idx="minor">
+        <a:schemeClr val="lt1"/>
+      </a:fontRef>
+    </dgm:style>
+  </dgm:styleLbl>
+  <dgm:styleLbl name="vennNode1">
+    <dgm:scene3d>
+      <a:camera prst="orthographicFront"/>
+      <a:lightRig rig="threePt" dir="t"/>
+    </dgm:scene3d>
+    <dgm:sp3d/>
+    <dgm:txPr/>
+    <dgm:style>
+      <a:lnRef idx="2">
+        <a:scrgbClr r="0" g="0" b="0"/>
+      </a:lnRef>
+      <a:fillRef idx="1">
+        <a:scrgbClr r="0" g="0" b="0"/>
+      </a:fillRef>
+      <a:effectRef idx="0">
+        <a:scrgbClr r="0" g="0" b="0"/>
+      </a:effectRef>
+      <a:fontRef idx="minor">
+        <a:schemeClr val="tx1"/>
+      </a:fontRef>
+    </dgm:style>
+  </dgm:styleLbl>
+  <dgm:styleLbl name="alignNode1">
+    <dgm:scene3d>
+      <a:camera prst="orthographicFront"/>
+      <a:lightRig rig="threePt" dir="t"/>
+    </dgm:scene3d>
+    <dgm:sp3d/>
+    <dgm:txPr/>
+    <dgm:style>
+      <a:lnRef idx="2">
+        <a:scrgbClr r="0" g="0" b="0"/>
+      </a:lnRef>
+      <a:fillRef idx="1">
+        <a:scrgbClr r="0" g="0" b="0"/>
+      </a:fillRef>
+      <a:effectRef idx="0">
+        <a:scrgbClr r="0" g="0" b="0"/>
+      </a:effectRef>
+      <a:fontRef idx="minor">
+        <a:schemeClr val="lt1"/>
+      </a:fontRef>
+    </dgm:style>
+  </dgm:styleLbl>
+  <dgm:styleLbl name="node1">
+    <dgm:scene3d>
+      <a:camera prst="orthographicFront"/>
+      <a:lightRig rig="threePt" dir="t"/>
+    </dgm:scene3d>
+    <dgm:sp3d/>
+    <dgm:txPr/>
+    <dgm:style>
+      <a:lnRef idx="2">
+        <a:scrgbClr r="0" g="0" b="0"/>
+      </a:lnRef>
+      <a:fillRef idx="1">
+        <a:scrgbClr r="0" g="0" b="0"/>
+      </a:fillRef>
+      <a:effectRef idx="0">
+        <a:scrgbClr r="0" g="0" b="0"/>
+      </a:effectRef>
+      <a:fontRef idx="minor">
+        <a:schemeClr val="lt1"/>
+      </a:fontRef>
+    </dgm:style>
+  </dgm:styleLbl>
+  <dgm:styleLbl name="node2">
+    <dgm:scene3d>
+      <a:camera prst="orthographicFront"/>
+      <a:lightRig rig="threePt" dir="t"/>
+    </dgm:scene3d>
+    <dgm:sp3d/>
+    <dgm:txPr/>
+    <dgm:style>
+      <a:lnRef idx="2">
+        <a:scrgbClr r="0" g="0" b="0"/>
+      </a:lnRef>
+      <a:fillRef idx="1">
+        <a:scrgbClr r="0" g="0" b="0"/>
+      </a:fillRef>
+      <a:effectRef idx="0">
+        <a:scrgbClr r="0" g="0" b="0"/>
+      </a:effectRef>
+      <a:fontRef idx="minor">
+        <a:schemeClr val="lt1"/>
+      </a:fontRef>
+    </dgm:style>
+  </dgm:styleLbl>
+  <dgm:styleLbl name="node3">
+    <dgm:scene3d>
+      <a:camera prst="orthographicFront"/>
+      <a:lightRig rig="threePt" dir="t"/>
+    </dgm:scene3d>
+    <dgm:sp3d/>
+    <dgm:txPr/>
+    <dgm:style>
+      <a:lnRef idx="2">
+        <a:scrgbClr r="0" g="0" b="0"/>
+      </a:lnRef>
+      <a:fillRef idx="1">
+        <a:scrgbClr r="0" g="0" b="0"/>
+      </a:fillRef>
+      <a:effectRef idx="0">
+        <a:scrgbClr r="0" g="0" b="0"/>
+      </a:effectRef>
+      <a:fontRef idx="minor">
+        <a:schemeClr val="lt1"/>
+      </a:fontRef>
+    </dgm:style>
+  </dgm:styleLbl>
+  <dgm:styleLbl name="node4">
+    <dgm:scene3d>
+      <a:camera prst="orthographicFront"/>
+      <a:lightRig rig="threePt" dir="t"/>
+    </dgm:scene3d>
+    <dgm:sp3d/>
+    <dgm:txPr/>
+    <dgm:style>
+      <a:lnRef idx="2">
+        <a:scrgbClr r="0" g="0" b="0"/>
+      </a:lnRef>
+      <a:fillRef idx="1">
+        <a:scrgbClr r="0" g="0" b="0"/>
+      </a:fillRef>
+      <a:effectRef idx="0">
+        <a:scrgbClr r="0" g="0" b="0"/>
+      </a:effectRef>
+      <a:fontRef idx="minor">
+        <a:schemeClr val="lt1"/>
+      </a:fontRef>
+    </dgm:style>
+  </dgm:styleLbl>
+  <dgm:styleLbl name="fgImgPlace1">
+    <dgm:scene3d>
+      <a:camera prst="orthographicFront"/>
+      <a:lightRig rig="threePt" dir="t"/>
+    </dgm:scene3d>
+    <dgm:sp3d/>
+    <dgm:txPr/>
+    <dgm:style>
+      <a:lnRef idx="2">
+        <a:scrgbClr r="0" g="0" b="0"/>
+      </a:lnRef>
+      <a:fillRef idx="1">
+        <a:scrgbClr r="0" g="0" b="0"/>
+      </a:fillRef>
+      <a:effectRef idx="0">
+        <a:scrgbClr r="0" g="0" b="0"/>
+      </a:effectRef>
+      <a:fontRef idx="minor"/>
+    </dgm:style>
+  </dgm:styleLbl>
+  <dgm:styleLbl name="alignImgPlace1">
+    <dgm:scene3d>
+      <a:camera prst="orthographicFront"/>
+      <a:lightRig rig="threePt" dir="t"/>
+    </dgm:scene3d>
+    <dgm:sp3d/>
+    <dgm:txPr/>
+    <dgm:style>
+      <a:lnRef idx="2">
+        <a:scrgbClr r="0" g="0" b="0"/>
+      </a:lnRef>
+      <a:fillRef idx="1">
+        <a:scrgbClr r="0" g="0" b="0"/>
+      </a:fillRef>
+      <a:effectRef idx="0">
+        <a:scrgbClr r="0" g="0" b="0"/>
+      </a:effectRef>
+      <a:fontRef idx="minor"/>
+    </dgm:style>
+  </dgm:styleLbl>
+  <dgm:styleLbl name="bgImgPlace1">
+    <dgm:scene3d>
+      <a:camera prst="orthographicFront"/>
+      <a:lightRig rig="threePt" dir="t"/>
+    </dgm:scene3d>
+    <dgm:sp3d/>
+    <dgm:txPr/>
+    <dgm:style>
+      <a:lnRef idx="2">
+        <a:scrgbClr r="0" g="0" b="0"/>
+      </a:lnRef>
+      <a:fillRef idx="1">
+        <a:scrgbClr r="0" g="0" b="0"/>
+      </a:fillRef>
+      <a:effectRef idx="0">
+        <a:scrgbClr r="0" g="0" b="0"/>
+      </a:effectRef>
+      <a:fontRef idx="minor"/>
+    </dgm:style>
+  </dgm:styleLbl>
+  <dgm:styleLbl name="sibTrans2D1">
+    <dgm:scene3d>
+      <a:camera prst="orthographicFront"/>
+      <a:lightRig rig="threePt" dir="t"/>
+    </dgm:scene3d>
+    <dgm:sp3d/>
+    <dgm:txPr/>
+    <dgm:style>
+      <a:lnRef idx="0">
+        <a:scrgbClr r="0" g="0" b="0"/>
+      </a:lnRef>
+      <a:fillRef idx="1">
+        <a:scrgbClr r="0" g="0" b="0"/>
+      </a:fillRef>
+      <a:effectRef idx="0">
+        <a:scrgbClr r="0" g="0" b="0"/>
+      </a:effectRef>
+      <a:fontRef idx="minor">
+        <a:schemeClr val="lt1"/>
+      </a:fontRef>
+    </dgm:style>
+  </dgm:styleLbl>
+  <dgm:styleLbl name="fgSibTrans2D1">
+    <dgm:scene3d>
+      <a:camera prst="orthographicFront"/>
+      <a:lightRig rig="threePt" dir="t"/>
+    </dgm:scene3d>
+    <dgm:sp3d/>
+    <dgm:txPr/>
+    <dgm:style>
+      <a:lnRef idx="0">
+        <a:scrgbClr r="0" g="0" b="0"/>
+      </a:lnRef>
+      <a:fillRef idx="1">
+        <a:scrgbClr r="0" g="0" b="0"/>
+      </a:fillRef>
+      <a:effectRef idx="0">
+        <a:scrgbClr r="0" g="0" b="0"/>
+      </a:effectRef>
+      <a:fontRef idx="minor">
+        <a:schemeClr val="lt1"/>
+      </a:fontRef>
+    </dgm:style>
+  </dgm:styleLbl>
+  <dgm:styleLbl name="bgSibTrans2D1">
+    <dgm:scene3d>
+      <a:camera prst="orthographicFront"/>
+      <a:lightRig rig="threePt" dir="t"/>
+    </dgm:scene3d>
+    <dgm:sp3d/>
+    <dgm:txPr/>
+    <dgm:style>
+      <a:lnRef idx="0">
+        <a:scrgbClr r="0" g="0" b="0"/>
+      </a:lnRef>
+      <a:fillRef idx="1">
+        <a:scrgbClr r="0" g="0" b="0"/>
+      </a:fillRef>
+      <a:effectRef idx="0">
+        <a:scrgbClr r="0" g="0" b="0"/>
+      </a:effectRef>
+      <a:fontRef idx="minor">
+        <a:schemeClr val="lt1"/>
+      </a:fontRef>
+    </dgm:style>
+  </dgm:styleLbl>
+  <dgm:styleLbl name="sibTrans1D1">
+    <dgm:scene3d>
+      <a:camera prst="orthographicFront"/>
+      <a:lightRig rig="threePt" dir="t"/>
+    </dgm:scene3d>
+    <dgm:sp3d/>
+    <dgm:txPr/>
+    <dgm:style>
+      <a:lnRef idx="1">
+        <a:scrgbClr r="0" g="0" b="0"/>
+      </a:lnRef>
+      <a:fillRef idx="0">
+        <a:scrgbClr r="0" g="0" b="0"/>
+      </a:fillRef>
+      <a:effectRef idx="0">
+        <a:scrgbClr r="0" g="0" b="0"/>
+      </a:effectRef>
+      <a:fontRef idx="minor"/>
+    </dgm:style>
+  </dgm:styleLbl>
+  <dgm:styleLbl name="callout">
+    <dgm:scene3d>
+      <a:camera prst="orthographicFront"/>
+      <a:lightRig rig="threePt" dir="t"/>
+    </dgm:scene3d>
+    <dgm:sp3d/>
+    <dgm:txPr/>
+    <dgm:style>
+      <a:lnRef idx="2">
+        <a:scrgbClr r="0" g="0" b="0"/>
+      </a:lnRef>
+      <a:fillRef idx="1">
+        <a:scrgbClr r="0" g="0" b="0"/>
+      </a:fillRef>
+      <a:effectRef idx="0">
+        <a:scrgbClr r="0" g="0" b="0"/>
+      </a:effectRef>
+      <a:fontRef idx="minor"/>
+    </dgm:style>
+  </dgm:styleLbl>
+  <dgm:styleLbl name="asst0">
+    <dgm:scene3d>
+      <a:camera prst="orthographicFront"/>
+      <a:lightRig rig="threePt" dir="t"/>
+    </dgm:scene3d>
+    <dgm:sp3d/>
+    <dgm:txPr/>
+    <dgm:style>
+      <a:lnRef idx="2">
+        <a:scrgbClr r="0" g="0" b="0"/>
+      </a:lnRef>
+      <a:fillRef idx="1">
+        <a:scrgbClr r="0" g="0" b="0"/>
+      </a:fillRef>
+      <a:effectRef idx="0">
+        <a:scrgbClr r="0" g="0" b="0"/>
+      </a:effectRef>
+      <a:fontRef idx="minor">
+        <a:schemeClr val="lt1"/>
+      </a:fontRef>
+    </dgm:style>
+  </dgm:styleLbl>
+  <dgm:styleLbl name="asst1">
+    <dgm:scene3d>
+      <a:camera prst="orthographicFront"/>
+      <a:lightRig rig="threePt" dir="t"/>
+    </dgm:scene3d>
+    <dgm:sp3d/>
+    <dgm:txPr/>
+    <dgm:style>
+      <a:lnRef idx="2">
+        <a:scrgbClr r="0" g="0" b="0"/>
+      </a:lnRef>
+      <a:fillRef idx="1">
+        <a:scrgbClr r="0" g="0" b="0"/>
+      </a:fillRef>
+      <a:effectRef idx="0">
+        <a:scrgbClr r="0" g="0" b="0"/>
+      </a:effectRef>
+      <a:fontRef idx="minor">
+        <a:schemeClr val="lt1"/>
+      </a:fontRef>
+    </dgm:style>
+  </dgm:styleLbl>
+  <dgm:styleLbl name="asst2">
+    <dgm:scene3d>
+      <a:camera prst="orthographicFront"/>
+      <a:lightRig rig="threePt" dir="t"/>
+    </dgm:scene3d>
+    <dgm:sp3d/>
+    <dgm:txPr/>
+    <dgm:style>
+      <a:lnRef idx="2">
+        <a:scrgbClr r="0" g="0" b="0"/>
+      </a:lnRef>
+      <a:fillRef idx="1">
+        <a:scrgbClr r="0" g="0" b="0"/>
+      </a:fillRef>
+      <a:effectRef idx="0">
+        <a:scrgbClr r="0" g="0" b="0"/>
+      </a:effectRef>
+      <a:fontRef idx="minor">
+        <a:schemeClr val="lt1"/>
+      </a:fontRef>
+    </dgm:style>
+  </dgm:styleLbl>
+  <dgm:styleLbl name="asst3">
+    <dgm:scene3d>
+      <a:camera prst="orthographicFront"/>
+      <a:lightRig rig="threePt" dir="t"/>
+    </dgm:scene3d>
+    <dgm:sp3d/>
+    <dgm:txPr/>
+    <dgm:style>
+      <a:lnRef idx="2">
+        <a:scrgbClr r="0" g="0" b="0"/>
+      </a:lnRef>
+      <a:fillRef idx="1">
+        <a:scrgbClr r="0" g="0" b="0"/>
+      </a:fillRef>
+      <a:effectRef idx="0">
+        <a:scrgbClr r="0" g="0" b="0"/>
+      </a:effectRef>
+      <a:fontRef idx="minor">
+        <a:schemeClr val="lt1"/>
+      </a:fontRef>
+    </dgm:style>
+  </dgm:styleLbl>
+  <dgm:styleLbl name="asst4">
+    <dgm:scene3d>
+      <a:camera prst="orthographicFront"/>
+      <a:lightRig rig="threePt" dir="t"/>
+    </dgm:scene3d>
+    <dgm:sp3d/>
+    <dgm:txPr/>
+    <dgm:style>
+      <a:lnRef idx="2">
+        <a:scrgbClr r="0" g="0" b="0"/>
+      </a:lnRef>
+      <a:fillRef idx="1">
+        <a:scrgbClr r="0" g="0" b="0"/>
+      </a:fillRef>
+      <a:effectRef idx="0">
+        <a:scrgbClr r="0" g="0" b="0"/>
+      </a:effectRef>
+      <a:fontRef idx="minor">
+        <a:schemeClr val="lt1"/>
+      </a:fontRef>
+    </dgm:style>
+  </dgm:styleLbl>
+  <dgm:styleLbl name="parChTrans2D1">
+    <dgm:scene3d>
+      <a:camera prst="orthographicFront"/>
+      <a:lightRig rig="threePt" dir="t"/>
+    </dgm:scene3d>
+    <dgm:sp3d/>
+    <dgm:txPr/>
+    <dgm:style>
+      <a:lnRef idx="2">
+        <a:scrgbClr r="0" g="0" b="0"/>
+      </a:lnRef>
+      <a:fillRef idx="1">
+        <a:scrgbClr r="0" g="0" b="0"/>
+      </a:fillRef>
+      <a:effectRef idx="0">
+        <a:scrgbClr r="0" g="0" b="0"/>
+      </a:effectRef>
+      <a:fontRef idx="minor">
+        <a:schemeClr val="lt1"/>
+      </a:fontRef>
+    </dgm:style>
+  </dgm:styleLbl>
+  <dgm:styleLbl name="parChTrans2D2">
+    <dgm:scene3d>
+      <a:camera prst="orthographicFront"/>
+      <a:lightRig rig="threePt" dir="t"/>
+    </dgm:scene3d>
+    <dgm:sp3d/>
+    <dgm:txPr/>
+    <dgm:style>
+      <a:lnRef idx="2">
+        <a:scrgbClr r="0" g="0" b="0"/>
+      </a:lnRef>
+      <a:fillRef idx="1">
+        <a:scrgbClr r="0" g="0" b="0"/>
+      </a:fillRef>
+      <a:effectRef idx="0">
+        <a:scrgbClr r="0" g="0" b="0"/>
+      </a:effectRef>
+      <a:fontRef idx="minor">
+        <a:schemeClr val="lt1"/>
+      </a:fontRef>
+    </dgm:style>
+  </dgm:styleLbl>
+  <dgm:styleLbl name="parChTrans2D3">
+    <dgm:scene3d>
+      <a:camera prst="orthographicFront"/>
+      <a:lightRig rig="threePt" dir="t"/>
+    </dgm:scene3d>
+    <dgm:sp3d/>
+    <dgm:txPr/>
+    <dgm:style>
+      <a:lnRef idx="2">
+        <a:scrgbClr r="0" g="0" b="0"/>
+      </a:lnRef>
+      <a:fillRef idx="1">
+        <a:scrgbClr r="0" g="0" b="0"/>
+      </a:fillRef>
+      <a:effectRef idx="0">
+        <a:scrgbClr r="0" g="0" b="0"/>
+      </a:effectRef>
+      <a:fontRef idx="minor">
+        <a:schemeClr val="lt1"/>
+      </a:fontRef>
+    </dgm:style>
+  </dgm:styleLbl>
+  <dgm:styleLbl name="parChTrans2D4">
+    <dgm:scene3d>
+      <a:camera prst="orthographicFront"/>
+      <a:lightRig rig="threePt" dir="t"/>
+    </dgm:scene3d>
+    <dgm:sp3d/>
+    <dgm:txPr/>
+    <dgm:style>
+      <a:lnRef idx="2">
+        <a:scrgbClr r="0" g="0" b="0"/>
+      </a:lnRef>
+      <a:fillRef idx="1">
+        <a:scrgbClr r="0" g="0" b="0"/>
+      </a:fillRef>
+      <a:effectRef idx="0">
+        <a:scrgbClr r="0" g="0" b="0"/>
+      </a:effectRef>
+      <a:fontRef idx="minor">
+        <a:schemeClr val="lt1"/>
+      </a:fontRef>
+    </dgm:style>
+  </dgm:styleLbl>
+  <dgm:styleLbl name="parChTrans1D1">
+    <dgm:scene3d>
+      <a:camera prst="orthographicFront"/>
+      <a:lightRig rig="threePt" dir="t"/>
+    </dgm:scene3d>
+    <dgm:sp3d/>
+    <dgm:txPr/>
+    <dgm:style>
+      <a:lnRef idx="2">
+        <a:scrgbClr r="0" g="0" b="0"/>
+      </a:lnRef>
+      <a:fillRef idx="0">
+        <a:scrgbClr r="0" g="0" b="0"/>
+      </a:fillRef>
+      <a:effectRef idx="0">
+        <a:scrgbClr r="0" g="0" b="0"/>
+      </a:effectRef>
+      <a:fontRef idx="minor"/>
+    </dgm:style>
+  </dgm:styleLbl>
+  <dgm:styleLbl name="parChTrans1D2">
+    <dgm:scene3d>
+      <a:camera prst="orthographicFront"/>
+      <a:lightRig rig="threePt" dir="t"/>
+    </dgm:scene3d>
+    <dgm:sp3d/>
+    <dgm:txPr/>
+    <dgm:style>
+      <a:lnRef idx="2">
+        <a:scrgbClr r="0" g="0" b="0"/>
+      </a:lnRef>
+      <a:fillRef idx="0">
+        <a:scrgbClr r="0" g="0" b="0"/>
+      </a:fillRef>
+      <a:effectRef idx="0">
+        <a:scrgbClr r="0" g="0" b="0"/>
+      </a:effectRef>
+      <a:fontRef idx="minor"/>
+    </dgm:style>
+  </dgm:styleLbl>
+  <dgm:styleLbl name="parChTrans1D3">
+    <dgm:scene3d>
+      <a:camera prst="orthographicFront"/>
+      <a:lightRig rig="threePt" dir="t"/>
+    </dgm:scene3d>
+    <dgm:sp3d/>
+    <dgm:txPr/>
+    <dgm:style>
+      <a:lnRef idx="2">
+        <a:scrgbClr r="0" g="0" b="0"/>
+      </a:lnRef>
+      <a:fillRef idx="0">
+        <a:scrgbClr r="0" g="0" b="0"/>
+      </a:fillRef>
+      <a:effectRef idx="0">
+        <a:scrgbClr r="0" g="0" b="0"/>
+      </a:effectRef>
+      <a:fontRef idx="minor"/>
+    </dgm:style>
+  </dgm:styleLbl>
+  <dgm:styleLbl name="parChTrans1D4">
+    <dgm:scene3d>
+      <a:camera prst="orthographicFront"/>
+      <a:lightRig rig="threePt" dir="t"/>
+    </dgm:scene3d>
+    <dgm:sp3d/>
+    <dgm:txPr/>
+    <dgm:style>
+      <a:lnRef idx="2">
+        <a:scrgbClr r="0" g="0" b="0"/>
+      </a:lnRef>
+      <a:fillRef idx="0">
+        <a:scrgbClr r="0" g="0" b="0"/>
+      </a:fillRef>
+      <a:effectRef idx="0">
+        <a:scrgbClr r="0" g="0" b="0"/>
+      </a:effectRef>
+      <a:fontRef idx="minor"/>
+    </dgm:style>
+  </dgm:styleLbl>
+  <dgm:styleLbl name="fgAcc1">
+    <dgm:scene3d>
+      <a:camera prst="orthographicFront"/>
+      <a:lightRig rig="threePt" dir="t"/>
+    </dgm:scene3d>
+    <dgm:sp3d/>
+    <dgm:txPr/>
+    <dgm:style>
+      <a:lnRef idx="2">
+        <a:scrgbClr r="0" g="0" b="0"/>
+      </a:lnRef>
+      <a:fillRef idx="1">
+        <a:scrgbClr r="0" g="0" b="0"/>
+      </a:fillRef>
+      <a:effectRef idx="0">
+        <a:scrgbClr r="0" g="0" b="0"/>
+      </a:effectRef>
+      <a:fontRef idx="minor"/>
+    </dgm:style>
+  </dgm:styleLbl>
+  <dgm:styleLbl name="conFgAcc1">
+    <dgm:scene3d>
+      <a:camera prst="orthographicFront"/>
+      <a:lightRig rig="threePt" dir="t"/>
+    </dgm:scene3d>
+    <dgm:sp3d/>
+    <dgm:txPr/>
+    <dgm:style>
+      <a:lnRef idx="2">
+        <a:scrgbClr r="0" g="0" b="0"/>
+      </a:lnRef>
+      <a:fillRef idx="1">
+        <a:scrgbClr r="0" g="0" b="0"/>
+      </a:fillRef>
+      <a:effectRef idx="0">
+        <a:scrgbClr r="0" g="0" b="0"/>
+      </a:effectRef>
+      <a:fontRef idx="minor"/>
+    </dgm:style>
+  </dgm:styleLbl>
+  <dgm:styleLbl name="alignAcc1">
+    <dgm:scene3d>
+      <a:camera prst="orthographicFront"/>
+      <a:lightRig rig="threePt" dir="t"/>
+    </dgm:scene3d>
+    <dgm:sp3d/>
+    <dgm:txPr/>
+    <dgm:style>
+      <a:lnRef idx="2">
+        <a:scrgbClr r="0" g="0" b="0"/>
+      </a:lnRef>
+      <a:fillRef idx="1">
+        <a:scrgbClr r="0" g="0" b="0"/>
+      </a:fillRef>
+      <a:effectRef idx="0">
+        <a:scrgbClr r="0" g="0" b="0"/>
+      </a:effectRef>
+      <a:fontRef idx="minor"/>
+    </dgm:style>
+  </dgm:styleLbl>
+  <dgm:styleLbl name="trAlignAcc1">
+    <dgm:scene3d>
+      <a:camera prst="orthographicFront"/>
+      <a:lightRig rig="threePt" dir="t"/>
+    </dgm:scene3d>
+    <dgm:sp3d/>
+    <dgm:txPr/>
+    <dgm:style>
+      <a:lnRef idx="1">
+        <a:scrgbClr r="0" g="0" b="0"/>
+      </a:lnRef>
+      <a:fillRef idx="1">
+        <a:scrgbClr r="0" g="0" b="0"/>
+      </a:fillRef>
+      <a:effectRef idx="0">
+        <a:scrgbClr r="0" g="0" b="0"/>
+      </a:effectRef>
+      <a:fontRef idx="minor"/>
+    </dgm:style>
+  </dgm:styleLbl>
+  <dgm:styleLbl name="bgAcc1">
+    <dgm:scene3d>
+      <a:camera prst="orthographicFront"/>
+      <a:lightRig rig="threePt" dir="t"/>
+    </dgm:scene3d>
+    <dgm:sp3d/>
+    <dgm:txPr/>
+    <dgm:style>
+      <a:lnRef idx="2">
+        <a:scrgbClr r="0" g="0" b="0"/>
+      </a:lnRef>
+      <a:fillRef idx="1">
+        <a:scrgbClr r="0" g="0" b="0"/>
+      </a:fillRef>
+      <a:effectRef idx="0">
+        <a:scrgbClr r="0" g="0" b="0"/>
+      </a:effectRef>
+      <a:fontRef idx="minor"/>
+    </dgm:style>
+  </dgm:styleLbl>
+  <dgm:styleLbl name="solidFgAcc1">
+    <dgm:scene3d>
+      <a:camera prst="orthographicFront"/>
+      <a:lightRig rig="threePt" dir="t"/>
+    </dgm:scene3d>
+    <dgm:sp3d/>
+    <dgm:txPr/>
+    <dgm:style>
+      <a:lnRef idx="2">
+        <a:scrgbClr r="0" g="0" b="0"/>
+      </a:lnRef>
+      <a:fillRef idx="1">
+        <a:scrgbClr r="0" g="0" b="0"/>
+      </a:fillRef>
+      <a:effectRef idx="0">
+        <a:scrgbClr r="0" g="0" b="0"/>
+      </a:effectRef>
+      <a:fontRef idx="minor"/>
+    </dgm:style>
+  </dgm:styleLbl>
+  <dgm:styleLbl name="solidAlignAcc1">
+    <dgm:scene3d>
+      <a:camera prst="orthographicFront"/>
+      <a:lightRig rig="threePt" dir="t"/>
+    </dgm:scene3d>
+    <dgm:sp3d/>
+    <dgm:txPr/>
+    <dgm:style>
+      <a:lnRef idx="2">
+        <a:scrgbClr r="0" g="0" b="0"/>
+      </a:lnRef>
+      <a:fillRef idx="1">
+        <a:scrgbClr r="0" g="0" b="0"/>
+      </a:fillRef>
+      <a:effectRef idx="0">
+        <a:scrgbClr r="0" g="0" b="0"/>
+      </a:effectRef>
+      <a:fontRef idx="minor"/>
+    </dgm:style>
+  </dgm:styleLbl>
+  <dgm:styleLbl name="solidBgAcc1">
+    <dgm:scene3d>
+      <a:camera prst="orthographicFront"/>
+      <a:lightRig rig="threePt" dir="t"/>
+    </dgm:scene3d>
+    <dgm:sp3d/>
+    <dgm:txPr/>
+    <dgm:style>
+      <a:lnRef idx="2">
+        <a:scrgbClr r="0" g="0" b="0"/>
+      </a:lnRef>
+      <a:fillRef idx="1">
+        <a:scrgbClr r="0" g="0" b="0"/>
+      </a:fillRef>
+      <a:effectRef idx="0">
+        <a:scrgbClr r="0" g="0" b="0"/>
+      </a:effectRef>
+      <a:fontRef idx="minor"/>
+    </dgm:style>
+  </dgm:styleLbl>
+  <dgm:styleLbl name="fgAccFollowNode1">
+    <dgm:scene3d>
+      <a:camera prst="orthographicFront"/>
+      <a:lightRig rig="threePt" dir="t"/>
+    </dgm:scene3d>
+    <dgm:sp3d/>
+    <dgm:txPr/>
+    <dgm:style>
+      <a:lnRef idx="2">
+        <a:scrgbClr r="0" g="0" b="0"/>
+      </a:lnRef>
+      <a:fillRef idx="1">
+        <a:scrgbClr r="0" g="0" b="0"/>
+      </a:fillRef>
+      <a:effectRef idx="0">
+        <a:scrgbClr r="0" g="0" b="0"/>
+      </a:effectRef>
+      <a:fontRef idx="minor"/>
+    </dgm:style>
+  </dgm:styleLbl>
+  <dgm:styleLbl name="alignAccFollowNode1">
+    <dgm:scene3d>
+      <a:camera prst="orthographicFront"/>
+      <a:lightRig rig="threePt" dir="t"/>
+    </dgm:scene3d>
+    <dgm:sp3d/>
+    <dgm:txPr/>
+    <dgm:style>
+      <a:lnRef idx="2">
+        <a:scrgbClr r="0" g="0" b="0"/>
+      </a:lnRef>
+      <a:fillRef idx="1">
+        <a:scrgbClr r="0" g="0" b="0"/>
+      </a:fillRef>
+      <a:effectRef idx="0">
+        <a:scrgbClr r="0" g="0" b="0"/>
+      </a:effectRef>
+      <a:fontRef idx="minor"/>
+    </dgm:style>
+  </dgm:styleLbl>
+  <dgm:styleLbl name="bgAccFollowNode1">
+    <dgm:scene3d>
+      <a:camera prst="orthographicFront"/>
+      <a:lightRig rig="threePt" dir="t"/>
+    </dgm:scene3d>
+    <dgm:sp3d/>
+    <dgm:txPr/>
+    <dgm:style>
+      <a:lnRef idx="2">
+        <a:scrgbClr r="0" g="0" b="0"/>
+      </a:lnRef>
+      <a:fillRef idx="1">
+        <a:scrgbClr r="0" g="0" b="0"/>
+      </a:fillRef>
+      <a:effectRef idx="0">
+        <a:scrgbClr r="0" g="0" b="0"/>
+      </a:effectRef>
+      <a:fontRef idx="minor"/>
+    </dgm:style>
+  </dgm:styleLbl>
+  <dgm:styleLbl name="fgAcc0">
+    <dgm:scene3d>
+      <a:camera prst="orthographicFront"/>
+      <a:lightRig rig="threePt" dir="t"/>
+    </dgm:scene3d>
+    <dgm:sp3d/>
+    <dgm:txPr/>
+    <dgm:style>
+      <a:lnRef idx="2">
+        <a:scrgbClr r="0" g="0" b="0"/>
+      </a:lnRef>
+      <a:fillRef idx="1">
+        <a:scrgbClr r="0" g="0" b="0"/>
+      </a:fillRef>
+      <a:effectRef idx="0">
+        <a:scrgbClr r="0" g="0" b="0"/>
+      </a:effectRef>
+      <a:fontRef idx="minor"/>
+    </dgm:style>
+  </dgm:styleLbl>
+  <dgm:styleLbl name="fgAcc2">
+    <dgm:scene3d>
+      <a:camera prst="orthographicFront"/>
+      <a:lightRig rig="threePt" dir="t"/>
+    </dgm:scene3d>
+    <dgm:sp3d/>
+    <dgm:txPr/>
+    <dgm:style>
+      <a:lnRef idx="2">
+        <a:scrgbClr r="0" g="0" b="0"/>
+      </a:lnRef>
+      <a:fillRef idx="1">
+        <a:scrgbClr r="0" g="0" b="0"/>
+      </a:fillRef>
+      <a:effectRef idx="0">
+        <a:scrgbClr r="0" g="0" b="0"/>
+      </a:effectRef>
+      <a:fontRef idx="minor"/>
+    </dgm:style>
+  </dgm:styleLbl>
+  <dgm:styleLbl name="fgAcc3">
+    <dgm:scene3d>
+      <a:camera prst="orthographicFront"/>
+      <a:lightRig rig="threePt" dir="t"/>
+    </dgm:scene3d>
+    <dgm:sp3d/>
+    <dgm:txPr/>
+    <dgm:style>
+      <a:lnRef idx="2">
+        <a:scrgbClr r="0" g="0" b="0"/>
+      </a:lnRef>
+      <a:fillRef idx="1">
+        <a:scrgbClr r="0" g="0" b="0"/>
+      </a:fillRef>
+      <a:effectRef idx="0">
+        <a:scrgbClr r="0" g="0" b="0"/>
+      </a:effectRef>
+      <a:fontRef idx="minor"/>
+    </dgm:style>
+  </dgm:styleLbl>
+  <dgm:styleLbl name="fgAcc4">
+    <dgm:scene3d>
+      <a:camera prst="orthographicFront"/>
+      <a:lightRig rig="threePt" dir="t"/>
+    </dgm:scene3d>
+    <dgm:sp3d/>
+    <dgm:txPr/>
+    <dgm:style>
+      <a:lnRef idx="2">
+        <a:scrgbClr r="0" g="0" b="0"/>
+      </a:lnRef>
+      <a:fillRef idx="1">
+        <a:scrgbClr r="0" g="0" b="0"/>
+      </a:fillRef>
+      <a:effectRef idx="0">
+        <a:scrgbClr r="0" g="0" b="0"/>
+      </a:effectRef>
+      <a:fontRef idx="minor"/>
+    </dgm:style>
+  </dgm:styleLbl>
+  <dgm:styleLbl name="bgShp">
+    <dgm:scene3d>
+      <a:camera prst="orthographicFront"/>
+      <a:lightRig rig="threePt" dir="t"/>
+    </dgm:scene3d>
+    <dgm:sp3d/>
+    <dgm:txPr/>
+    <dgm:style>
+      <a:lnRef idx="0">
+        <a:scrgbClr r="0" g="0" b="0"/>
+      </a:lnRef>
+      <a:fillRef idx="1">
+        <a:scrgbClr r="0" g="0" b="0"/>
+      </a:fillRef>
+      <a:effectRef idx="0">
+        <a:scrgbClr r="0" g="0" b="0"/>
+      </a:effectRef>
+      <a:fontRef idx="minor"/>
+    </dgm:style>
+  </dgm:styleLbl>
+  <dgm:styleLbl name="dkBgShp">
+    <dgm:scene3d>
+      <a:camera prst="orthographicFront"/>
+      <a:lightRig rig="threePt" dir="t"/>
+    </dgm:scene3d>
+    <dgm:sp3d/>
+    <dgm:txPr/>
+    <dgm:style>
+      <a:lnRef idx="0">
+        <a:scrgbClr r="0" g="0" b="0"/>
+      </a:lnRef>
+      <a:fillRef idx="1">
+        <a:scrgbClr r="0" g="0" b="0"/>
+      </a:fillRef>
+      <a:effectRef idx="0">
+        <a:scrgbClr r="0" g="0" b="0"/>
+      </a:effectRef>
+      <a:fontRef idx="minor"/>
+    </dgm:style>
+  </dgm:styleLbl>
+  <dgm:styleLbl name="trBgShp">
+    <dgm:scene3d>
+      <a:camera prst="orthographicFront"/>
+      <a:lightRig rig="threePt" dir="t"/>
+    </dgm:scene3d>
+    <dgm:sp3d/>
+    <dgm:txPr/>
+    <dgm:style>
+      <a:lnRef idx="0">
+        <a:scrgbClr r="0" g="0" b="0"/>
+      </a:lnRef>
+      <a:fillRef idx="1">
+        <a:scrgbClr r="0" g="0" b="0"/>
+      </a:fillRef>
+      <a:effectRef idx="0">
+        <a:scrgbClr r="0" g="0" b="0"/>
+      </a:effectRef>
+      <a:fontRef idx="minor"/>
+    </dgm:style>
+  </dgm:styleLbl>
+  <dgm:styleLbl name="fgShp">
+    <dgm:scene3d>
+      <a:camera prst="orthographicFront"/>
+      <a:lightRig rig="threePt" dir="t"/>
+    </dgm:scene3d>
+    <dgm:sp3d/>
+    <dgm:txPr/>
+    <dgm:style>
+      <a:lnRef idx="2">
+        <a:scrgbClr r="0" g="0" b="0"/>
+      </a:lnRef>
+      <a:fillRef idx="1">
+        <a:scrgbClr r="0" g="0" b="0"/>
+      </a:fillRef>
+      <a:effectRef idx="0">
+        <a:scrgbClr r="0" g="0" b="0"/>
+      </a:effectRef>
+      <a:fontRef idx="minor"/>
+    </dgm:style>
+  </dgm:styleLbl>
+  <dgm:styleLbl name="revTx">
+    <dgm:scene3d>
+      <a:camera prst="orthographicFront"/>
+      <a:lightRig rig="threePt" dir="t"/>
+    </dgm:scene3d>
+    <dgm:sp3d/>
+    <dgm:txPr/>
+    <dgm:style>
+      <a:lnRef idx="0">
+        <a:scrgbClr r="0" g="0" b="0"/>
+      </a:lnRef>
+      <a:fillRef idx="0">
+        <a:scrgbClr r="0" g="0" b="0"/>
+      </a:fillRef>
+      <a:effectRef idx="0">
+        <a:scrgbClr r="0" g="0" b="0"/>
+      </a:effectRef>
+      <a:fontRef idx="minor"/>
+    </dgm:style>
+  </dgm:styleLbl>
+</dgm:styleDef>
 </file>
 
 <file path=ppt/notesMasters/notesMaster1.xml><?xml version="1.0" encoding="utf-8"?>
@@ -3282,11 +6293,6 @@
 <file path=ppt/slides/slide1.xml><?xml version="1.0" encoding="utf-8"?>
 <p:sld xmlns:a="http://schemas.openxmlformats.org/drawingml/2006/main" xmlns:r="http://schemas.openxmlformats.org/officeDocument/2006/relationships" xmlns:p="http://schemas.openxmlformats.org/presentationml/2006/main">
   <p:cSld>
-    <p:bg>
-      <p:bgRef idx="1003">
-        <a:schemeClr val="bg1"/>
-      </p:bgRef>
-    </p:bg>
     <p:spTree>
       <p:nvGrpSpPr>
         <p:cNvPr id="1" name=""/>
@@ -3301,53 +6307,67 @@
           <a:chExt cx="0" cy="0"/>
         </a:xfrm>
       </p:grpSpPr>
-      <p:sp>
-        <p:nvSpPr>
-          <p:cNvPr id="2" name="Title 1"/>
-          <p:cNvSpPr>
-            <a:spLocks noGrp="1"/>
-          </p:cNvSpPr>
-          <p:nvPr>
-            <p:ph type="ctrTitle"/>
-          </p:nvPr>
-        </p:nvSpPr>
-        <p:spPr/>
-        <p:txBody>
-          <a:bodyPr/>
-          <a:lstStyle/>
-          <a:p>
-            <a:endParaRPr lang="en-US"/>
-          </a:p>
-        </p:txBody>
-      </p:sp>
-      <p:sp>
-        <p:nvSpPr>
-          <p:cNvPr id="3" name="Subtitle 2"/>
-          <p:cNvSpPr>
-            <a:spLocks noGrp="1"/>
-          </p:cNvSpPr>
-          <p:nvPr>
-            <p:ph type="subTitle" idx="1"/>
-          </p:nvPr>
-        </p:nvSpPr>
-        <p:spPr/>
-        <p:txBody>
-          <a:bodyPr/>
-          <a:lstStyle/>
-          <a:p>
-            <a:endParaRPr lang="en-US"/>
-          </a:p>
-        </p:txBody>
-      </p:sp>
+      <p:graphicFrame>
+        <p:nvGraphicFramePr>
+          <p:cNvPr id="2" name="Diagram 1"/>
+          <p:cNvGraphicFramePr/>
+          <p:nvPr>
+            <p:extLst>
+              <p:ext uri="{D42A27DB-BD31-4B8C-83A1-F6EECF244321}">
+                <p14:modId xmlns:p14="http://schemas.microsoft.com/office/powerpoint/2010/main" val="437112636"/>
+              </p:ext>
+            </p:extLst>
+          </p:nvPr>
+        </p:nvGraphicFramePr>
+        <p:xfrm>
+          <a:off x="2032000" y="719666"/>
+          <a:ext cx="8128000" cy="5418667"/>
+        </p:xfrm>
+        <a:graphic>
+          <a:graphicData uri="http://schemas.openxmlformats.org/drawingml/2006/diagram">
+            <dgm:relIds xmlns:dgm="http://schemas.openxmlformats.org/drawingml/2006/diagram" xmlns:r="http://schemas.openxmlformats.org/officeDocument/2006/relationships" r:dm="rId2" r:lo="rId3" r:qs="rId4" r:cs="rId5"/>
+          </a:graphicData>
+        </a:graphic>
+      </p:graphicFrame>
     </p:spTree>
     <p:extLst>
       <p:ext uri="{BB962C8B-B14F-4D97-AF65-F5344CB8AC3E}">
-        <p14:creationId xmlns:p14="http://schemas.microsoft.com/office/powerpoint/2010/main" val="2829921156"/>
+        <p14:creationId xmlns:p14="http://schemas.microsoft.com/office/powerpoint/2010/main" val="2454191113"/>
       </p:ext>
     </p:extLst>
   </p:cSld>
   <p:clrMapOvr>
-    <a:overrideClrMapping bg1="lt1" tx1="dk1" bg2="lt2" tx2="dk2" accent1="accent1" accent2="accent2" accent3="accent3" accent4="accent4" accent5="accent5" accent6="accent6" hlink="hlink" folHlink="folHlink"/>
+    <a:masterClrMapping/>
+  </p:clrMapOvr>
+</p:sld>
+</file>
+
+<file path=ppt/slides/slide2.xml><?xml version="1.0" encoding="utf-8"?>
+<p:sld xmlns:a="http://schemas.openxmlformats.org/drawingml/2006/main" xmlns:r="http://schemas.openxmlformats.org/officeDocument/2006/relationships" xmlns:p="http://schemas.openxmlformats.org/presentationml/2006/main">
+  <p:cSld>
+    <p:spTree>
+      <p:nvGrpSpPr>
+        <p:cNvPr id="1" name=""/>
+        <p:cNvGrpSpPr/>
+        <p:nvPr/>
+      </p:nvGrpSpPr>
+      <p:grpSpPr>
+        <a:xfrm>
+          <a:off x="0" y="0"/>
+          <a:ext cx="0" cy="0"/>
+          <a:chOff x="0" y="0"/>
+          <a:chExt cx="0" cy="0"/>
+        </a:xfrm>
+      </p:grpSpPr>
+    </p:spTree>
+    <p:extLst>
+      <p:ext uri="{BB962C8B-B14F-4D97-AF65-F5344CB8AC3E}">
+        <p14:creationId xmlns:p14="http://schemas.microsoft.com/office/powerpoint/2010/main" val="3160931213"/>
+      </p:ext>
+    </p:extLst>
+  </p:cSld>
+  <p:clrMapOvr>
+    <a:masterClrMapping/>
   </p:clrMapOvr>
 </p:sld>
 </file>
@@ -3607,7 +6627,7 @@
   <a:extraClrSchemeLst/>
   <a:extLst>
     <a:ext uri="{05A4C25C-085E-4340-85A3-A5531E510DB2}">
-      <thm15:themeFamily xmlns:thm15="http://schemas.microsoft.com/office/thememl/2012/main" xmlns="" name="Office Theme" id="{62F939B6-93AF-4DB8-9C6B-D6C7DFDC589F}" vid="{4A3C46E8-61CC-4603-A589-7422A47A8E4A}"/>
+      <thm15:themeFamily xmlns="" xmlns:thm15="http://schemas.microsoft.com/office/thememl/2012/main" name="Office Theme" id="{62F939B6-93AF-4DB8-9C6B-D6C7DFDC589F}" vid="{4A3C46E8-61CC-4603-A589-7422A47A8E4A}"/>
     </a:ext>
   </a:extLst>
 </a:theme>
@@ -3868,51 +6888,8 @@
   <a:extraClrSchemeLst/>
   <a:extLst>
     <a:ext uri="{05A4C25C-085E-4340-85A3-A5531E510DB2}">
-      <thm15:themeFamily xmlns:thm15="http://schemas.microsoft.com/office/thememl/2012/main" xmlns="" name="Office Theme" id="{62F939B6-93AF-4DB8-9C6B-D6C7DFDC589F}" vid="{4A3C46E8-61CC-4603-A589-7422A47A8E4A}"/>
+      <thm15:themeFamily xmlns="" xmlns:thm15="http://schemas.microsoft.com/office/thememl/2012/main" name="Office Theme" id="{62F939B6-93AF-4DB8-9C6B-D6C7DFDC589F}" vid="{4A3C46E8-61CC-4603-A589-7422A47A8E4A}"/>
     </a:ext>
   </a:extLst>
 </a:theme>
-</file>
-
-<file path=ppt/theme/themeOverride1.xml><?xml version="1.0" encoding="utf-8"?>
-<a:themeOverride xmlns:a="http://schemas.openxmlformats.org/drawingml/2006/main">
-  <a:clrScheme name="Aspect">
-    <a:dk1>
-      <a:sysClr val="windowText" lastClr="000000"/>
-    </a:dk1>
-    <a:lt1>
-      <a:sysClr val="window" lastClr="FFFFFF"/>
-    </a:lt1>
-    <a:dk2>
-      <a:srgbClr val="323232"/>
-    </a:dk2>
-    <a:lt2>
-      <a:srgbClr val="E3DED1"/>
-    </a:lt2>
-    <a:accent1>
-      <a:srgbClr val="F07F09"/>
-    </a:accent1>
-    <a:accent2>
-      <a:srgbClr val="9F2936"/>
-    </a:accent2>
-    <a:accent3>
-      <a:srgbClr val="1B587C"/>
-    </a:accent3>
-    <a:accent4>
-      <a:srgbClr val="4E8542"/>
-    </a:accent4>
-    <a:accent5>
-      <a:srgbClr val="604878"/>
-    </a:accent5>
-    <a:accent6>
-      <a:srgbClr val="C19859"/>
-    </a:accent6>
-    <a:hlink>
-      <a:srgbClr val="6B9F25"/>
-    </a:hlink>
-    <a:folHlink>
-      <a:srgbClr val="B26B02"/>
-    </a:folHlink>
-  </a:clrScheme>
-</a:themeOverride>
 </file>
--- a/theme.pptx
+++ b/theme.pptx
@@ -1035,6 +1035,13 @@
         </dgm:presLayoutVars>
       </dgm:prSet>
       <dgm:spPr/>
+      <dgm:t>
+        <a:bodyPr/>
+        <a:lstStyle/>
+        <a:p>
+          <a:endParaRPr lang="en-IN"/>
+        </a:p>
+      </dgm:t>
     </dgm:pt>
     <dgm:pt modelId="{0333C638-5A07-4997-A40A-AB36EFF7618B}" type="pres">
       <dgm:prSet presAssocID="{EB3F85B6-7778-4AA4-945B-DDA6D81EEA80}" presName="root1" presStyleCnt="0"/>
@@ -1047,6 +1054,13 @@
         </dgm:presLayoutVars>
       </dgm:prSet>
       <dgm:spPr/>
+      <dgm:t>
+        <a:bodyPr/>
+        <a:lstStyle/>
+        <a:p>
+          <a:endParaRPr lang="en-IN"/>
+        </a:p>
+      </dgm:t>
     </dgm:pt>
     <dgm:pt modelId="{6F0C910B-B194-4D23-BA9A-841CF7EBE589}" type="pres">
       <dgm:prSet presAssocID="{EB3F85B6-7778-4AA4-945B-DDA6D81EEA80}" presName="level2hierChild" presStyleCnt="0"/>
@@ -1055,10 +1069,24 @@
     <dgm:pt modelId="{63CBAC53-C0C5-439F-AAC0-2627C0CE7ADE}" type="pres">
       <dgm:prSet presAssocID="{8FCB8CDC-11D7-4B37-9E54-C12782813E02}" presName="conn2-1" presStyleLbl="parChTrans1D2" presStyleIdx="0" presStyleCnt="3"/>
       <dgm:spPr/>
+      <dgm:t>
+        <a:bodyPr/>
+        <a:lstStyle/>
+        <a:p>
+          <a:endParaRPr lang="en-IN"/>
+        </a:p>
+      </dgm:t>
     </dgm:pt>
     <dgm:pt modelId="{2A02AF96-2CD3-43F0-824E-1D9B3AB89ACA}" type="pres">
       <dgm:prSet presAssocID="{8FCB8CDC-11D7-4B37-9E54-C12782813E02}" presName="connTx" presStyleLbl="parChTrans1D2" presStyleIdx="0" presStyleCnt="3"/>
       <dgm:spPr/>
+      <dgm:t>
+        <a:bodyPr/>
+        <a:lstStyle/>
+        <a:p>
+          <a:endParaRPr lang="en-IN"/>
+        </a:p>
+      </dgm:t>
     </dgm:pt>
     <dgm:pt modelId="{38A64432-662D-40AB-8BB1-1995346CF5E4}" type="pres">
       <dgm:prSet presAssocID="{799D0458-7874-4E17-A321-F4E36B8E5BA3}" presName="root2" presStyleCnt="0"/>
@@ -1086,10 +1114,24 @@
     <dgm:pt modelId="{3E3A3D94-077E-4E9C-A496-300259394F9E}" type="pres">
       <dgm:prSet presAssocID="{DCE1AD03-3B7D-4BA3-A95D-AA03B3D30DBC}" presName="conn2-1" presStyleLbl="parChTrans1D2" presStyleIdx="1" presStyleCnt="3"/>
       <dgm:spPr/>
+      <dgm:t>
+        <a:bodyPr/>
+        <a:lstStyle/>
+        <a:p>
+          <a:endParaRPr lang="en-IN"/>
+        </a:p>
+      </dgm:t>
     </dgm:pt>
     <dgm:pt modelId="{F198DCCA-5906-4E75-A47C-9B0A0E53C6BE}" type="pres">
       <dgm:prSet presAssocID="{DCE1AD03-3B7D-4BA3-A95D-AA03B3D30DBC}" presName="connTx" presStyleLbl="parChTrans1D2" presStyleIdx="1" presStyleCnt="3"/>
       <dgm:spPr/>
+      <dgm:t>
+        <a:bodyPr/>
+        <a:lstStyle/>
+        <a:p>
+          <a:endParaRPr lang="en-IN"/>
+        </a:p>
+      </dgm:t>
     </dgm:pt>
     <dgm:pt modelId="{3CD5033E-A629-4AF6-ABBE-1D4446DBDD29}" type="pres">
       <dgm:prSet presAssocID="{43C71346-2FE2-4153-9094-1D2224CD58F1}" presName="root2" presStyleCnt="0"/>
@@ -1117,10 +1159,24 @@
     <dgm:pt modelId="{6BCE7F5B-9773-4ADA-AD63-E31815063815}" type="pres">
       <dgm:prSet presAssocID="{7BBAF57B-D3E8-4357-848D-DFFA9F4E7918}" presName="conn2-1" presStyleLbl="parChTrans1D2" presStyleIdx="2" presStyleCnt="3"/>
       <dgm:spPr/>
+      <dgm:t>
+        <a:bodyPr/>
+        <a:lstStyle/>
+        <a:p>
+          <a:endParaRPr lang="en-IN"/>
+        </a:p>
+      </dgm:t>
     </dgm:pt>
     <dgm:pt modelId="{F01C9ADB-912E-4826-B2EC-BF87E964F707}" type="pres">
       <dgm:prSet presAssocID="{7BBAF57B-D3E8-4357-848D-DFFA9F4E7918}" presName="connTx" presStyleLbl="parChTrans1D2" presStyleIdx="2" presStyleCnt="3"/>
       <dgm:spPr/>
+      <dgm:t>
+        <a:bodyPr/>
+        <a:lstStyle/>
+        <a:p>
+          <a:endParaRPr lang="en-IN"/>
+        </a:p>
+      </dgm:t>
     </dgm:pt>
     <dgm:pt modelId="{CAAF8225-6441-405E-A687-07D4D7C9C6DE}" type="pres">
       <dgm:prSet presAssocID="{C1043AE4-5531-4746-8807-BCFFA516B415}" presName="root2" presStyleCnt="0"/>
@@ -1133,6 +1189,13 @@
         </dgm:presLayoutVars>
       </dgm:prSet>
       <dgm:spPr/>
+      <dgm:t>
+        <a:bodyPr/>
+        <a:lstStyle/>
+        <a:p>
+          <a:endParaRPr lang="en-IN"/>
+        </a:p>
+      </dgm:t>
     </dgm:pt>
     <dgm:pt modelId="{C6BDCDFD-3E10-41DD-A186-3D9DCC87635A}" type="pres">
       <dgm:prSet presAssocID="{C1043AE4-5531-4746-8807-BCFFA516B415}" presName="level3hierChild" presStyleCnt="0"/>
@@ -6627,7 +6690,7 @@
   <a:extraClrSchemeLst/>
   <a:extLst>
     <a:ext uri="{05A4C25C-085E-4340-85A3-A5531E510DB2}">
-      <thm15:themeFamily xmlns="" xmlns:thm15="http://schemas.microsoft.com/office/thememl/2012/main" name="Office Theme" id="{62F939B6-93AF-4DB8-9C6B-D6C7DFDC589F}" vid="{4A3C46E8-61CC-4603-A589-7422A47A8E4A}"/>
+      <thm15:themeFamily xmlns:thm15="http://schemas.microsoft.com/office/thememl/2012/main" xmlns="" name="Office Theme" id="{62F939B6-93AF-4DB8-9C6B-D6C7DFDC589F}" vid="{4A3C46E8-61CC-4603-A589-7422A47A8E4A}"/>
     </a:ext>
   </a:extLst>
 </a:theme>
@@ -6888,7 +6951,7 @@
   <a:extraClrSchemeLst/>
   <a:extLst>
     <a:ext uri="{05A4C25C-085E-4340-85A3-A5531E510DB2}">
-      <thm15:themeFamily xmlns="" xmlns:thm15="http://schemas.microsoft.com/office/thememl/2012/main" name="Office Theme" id="{62F939B6-93AF-4DB8-9C6B-D6C7DFDC589F}" vid="{4A3C46E8-61CC-4603-A589-7422A47A8E4A}"/>
+      <thm15:themeFamily xmlns:thm15="http://schemas.microsoft.com/office/thememl/2012/main" xmlns="" name="Office Theme" id="{62F939B6-93AF-4DB8-9C6B-D6C7DFDC589F}" vid="{4A3C46E8-61CC-4603-A589-7422A47A8E4A}"/>
     </a:ext>
   </a:extLst>
 </a:theme>
